--- a/Semiconductors.pptx
+++ b/Semiconductors.pptx
@@ -6,7 +6,15 @@
   </p:sldMasterIdLst>
   <p:sldIdLst>
     <p:sldId id="256" r:id="rId5"/>
-    <p:sldId id="257" r:id="rId6"/>
+    <p:sldId id="259" r:id="rId6"/>
+    <p:sldId id="257" r:id="rId7"/>
+    <p:sldId id="258" r:id="rId8"/>
+    <p:sldId id="260" r:id="rId9"/>
+    <p:sldId id="261" r:id="rId10"/>
+    <p:sldId id="263" r:id="rId11"/>
+    <p:sldId id="265" r:id="rId12"/>
+    <p:sldId id="262" r:id="rId13"/>
+    <p:sldId id="264" r:id="rId14"/>
   </p:sldIdLst>
   <p:sldSz cx="12192000" cy="6858000"/>
   <p:notesSz cx="6858000" cy="9144000"/>
@@ -148,6 +156,168 @@
 </inkml:ink>
 </file>
 
+<file path=ppt/ink/ink2.xml><?xml version="1.0" encoding="utf-8"?>
+<inkml:ink xmlns:inkml="http://www.w3.org/2003/InkML">
+  <inkml:definitions>
+    <inkml:context xml:id="ctx0">
+      <inkml:inkSource xml:id="inkSrc0">
+        <inkml:traceFormat>
+          <inkml:channel name="X" type="integer" min="-2.14748E9" max="2.14748E9" units="cm"/>
+          <inkml:channel name="Y" type="integer" min="-2.14748E9" max="2.14748E9" units="cm"/>
+          <inkml:channel name="F" type="integer" max="32767" units="dev"/>
+        </inkml:traceFormat>
+        <inkml:channelProperties>
+          <inkml:channelProperty channel="X" name="resolution" value="1000" units="1/cm"/>
+          <inkml:channelProperty channel="Y" name="resolution" value="1000" units="1/cm"/>
+          <inkml:channelProperty channel="F" name="resolution" value="0" units="1/dev"/>
+        </inkml:channelProperties>
+      </inkml:inkSource>
+      <inkml:timestamp xml:id="ts0" timeString="2024-12-12T02:50:26.760"/>
+    </inkml:context>
+    <inkml:brush xml:id="br0">
+      <inkml:brushProperty name="width" value="0.035" units="cm"/>
+      <inkml:brushProperty name="height" value="0.035" units="cm"/>
+    </inkml:brush>
+  </inkml:definitions>
+  <inkml:trace contextRef="#ctx0" brushRef="#br0">1 1 24575,'0'0'-8191</inkml:trace>
+</inkml:ink>
+</file>
+
+<file path=ppt/ink/ink3.xml><?xml version="1.0" encoding="utf-8"?>
+<inkml:ink xmlns:inkml="http://www.w3.org/2003/InkML">
+  <inkml:definitions>
+    <inkml:context xml:id="ctx0">
+      <inkml:inkSource xml:id="inkSrc0">
+        <inkml:traceFormat>
+          <inkml:channel name="X" type="integer" min="-2.14748E9" max="2.14748E9" units="cm"/>
+          <inkml:channel name="Y" type="integer" min="-2.14748E9" max="2.14748E9" units="cm"/>
+          <inkml:channel name="F" type="integer" max="32767" units="dev"/>
+        </inkml:traceFormat>
+        <inkml:channelProperties>
+          <inkml:channelProperty channel="X" name="resolution" value="1000" units="1/cm"/>
+          <inkml:channelProperty channel="Y" name="resolution" value="1000" units="1/cm"/>
+          <inkml:channelProperty channel="F" name="resolution" value="0" units="1/dev"/>
+        </inkml:channelProperties>
+      </inkml:inkSource>
+      <inkml:timestamp xml:id="ts0" timeString="2024-12-12T02:50:26.760"/>
+    </inkml:context>
+    <inkml:brush xml:id="br0">
+      <inkml:brushProperty name="width" value="0.035" units="cm"/>
+      <inkml:brushProperty name="height" value="0.035" units="cm"/>
+    </inkml:brush>
+  </inkml:definitions>
+  <inkml:trace contextRef="#ctx0" brushRef="#br0">1 1 24575,'0'0'-8191</inkml:trace>
+</inkml:ink>
+</file>
+
+<file path=ppt/ink/ink4.xml><?xml version="1.0" encoding="utf-8"?>
+<inkml:ink xmlns:inkml="http://www.w3.org/2003/InkML">
+  <inkml:definitions>
+    <inkml:context xml:id="ctx0">
+      <inkml:inkSource xml:id="inkSrc0">
+        <inkml:traceFormat>
+          <inkml:channel name="X" type="integer" min="-2.14748E9" max="2.14748E9" units="cm"/>
+          <inkml:channel name="Y" type="integer" min="-2.14748E9" max="2.14748E9" units="cm"/>
+          <inkml:channel name="F" type="integer" max="32767" units="dev"/>
+        </inkml:traceFormat>
+        <inkml:channelProperties>
+          <inkml:channelProperty channel="X" name="resolution" value="1000" units="1/cm"/>
+          <inkml:channelProperty channel="Y" name="resolution" value="1000" units="1/cm"/>
+          <inkml:channelProperty channel="F" name="resolution" value="0" units="1/dev"/>
+        </inkml:channelProperties>
+      </inkml:inkSource>
+      <inkml:timestamp xml:id="ts0" timeString="2024-12-12T02:50:26.760"/>
+    </inkml:context>
+    <inkml:brush xml:id="br0">
+      <inkml:brushProperty name="width" value="0.035" units="cm"/>
+      <inkml:brushProperty name="height" value="0.035" units="cm"/>
+    </inkml:brush>
+  </inkml:definitions>
+  <inkml:trace contextRef="#ctx0" brushRef="#br0">1 1 24575,'0'0'-8191</inkml:trace>
+</inkml:ink>
+</file>
+
+<file path=ppt/ink/ink5.xml><?xml version="1.0" encoding="utf-8"?>
+<inkml:ink xmlns:inkml="http://www.w3.org/2003/InkML">
+  <inkml:definitions>
+    <inkml:context xml:id="ctx0">
+      <inkml:inkSource xml:id="inkSrc0">
+        <inkml:traceFormat>
+          <inkml:channel name="X" type="integer" min="-2.14748E9" max="2.14748E9" units="cm"/>
+          <inkml:channel name="Y" type="integer" min="-2.14748E9" max="2.14748E9" units="cm"/>
+          <inkml:channel name="F" type="integer" max="32767" units="dev"/>
+        </inkml:traceFormat>
+        <inkml:channelProperties>
+          <inkml:channelProperty channel="X" name="resolution" value="1000" units="1/cm"/>
+          <inkml:channelProperty channel="Y" name="resolution" value="1000" units="1/cm"/>
+          <inkml:channelProperty channel="F" name="resolution" value="0" units="1/dev"/>
+        </inkml:channelProperties>
+      </inkml:inkSource>
+      <inkml:timestamp xml:id="ts0" timeString="2024-12-12T02:50:26.760"/>
+    </inkml:context>
+    <inkml:brush xml:id="br0">
+      <inkml:brushProperty name="width" value="0.035" units="cm"/>
+      <inkml:brushProperty name="height" value="0.035" units="cm"/>
+    </inkml:brush>
+  </inkml:definitions>
+  <inkml:trace contextRef="#ctx0" brushRef="#br0">1 1 24575,'0'0'-8191</inkml:trace>
+</inkml:ink>
+</file>
+
+<file path=ppt/ink/ink6.xml><?xml version="1.0" encoding="utf-8"?>
+<inkml:ink xmlns:inkml="http://www.w3.org/2003/InkML">
+  <inkml:definitions>
+    <inkml:context xml:id="ctx0">
+      <inkml:inkSource xml:id="inkSrc0">
+        <inkml:traceFormat>
+          <inkml:channel name="X" type="integer" min="-2.14748E9" max="2.14748E9" units="cm"/>
+          <inkml:channel name="Y" type="integer" min="-2.14748E9" max="2.14748E9" units="cm"/>
+          <inkml:channel name="F" type="integer" max="32767" units="dev"/>
+        </inkml:traceFormat>
+        <inkml:channelProperties>
+          <inkml:channelProperty channel="X" name="resolution" value="1000" units="1/cm"/>
+          <inkml:channelProperty channel="Y" name="resolution" value="1000" units="1/cm"/>
+          <inkml:channelProperty channel="F" name="resolution" value="0" units="1/dev"/>
+        </inkml:channelProperties>
+      </inkml:inkSource>
+      <inkml:timestamp xml:id="ts0" timeString="2024-12-12T02:50:26.760"/>
+    </inkml:context>
+    <inkml:brush xml:id="br0">
+      <inkml:brushProperty name="width" value="0.035" units="cm"/>
+      <inkml:brushProperty name="height" value="0.035" units="cm"/>
+    </inkml:brush>
+  </inkml:definitions>
+  <inkml:trace contextRef="#ctx0" brushRef="#br0">1 1 24575,'0'0'-8191</inkml:trace>
+</inkml:ink>
+</file>
+
+<file path=ppt/ink/ink7.xml><?xml version="1.0" encoding="utf-8"?>
+<inkml:ink xmlns:inkml="http://www.w3.org/2003/InkML">
+  <inkml:definitions>
+    <inkml:context xml:id="ctx0">
+      <inkml:inkSource xml:id="inkSrc0">
+        <inkml:traceFormat>
+          <inkml:channel name="X" type="integer" min="-2.14748E9" max="2.14748E9" units="cm"/>
+          <inkml:channel name="Y" type="integer" min="-2.14748E9" max="2.14748E9" units="cm"/>
+          <inkml:channel name="F" type="integer" max="32767" units="dev"/>
+        </inkml:traceFormat>
+        <inkml:channelProperties>
+          <inkml:channelProperty channel="X" name="resolution" value="1000" units="1/cm"/>
+          <inkml:channelProperty channel="Y" name="resolution" value="1000" units="1/cm"/>
+          <inkml:channelProperty channel="F" name="resolution" value="0" units="1/dev"/>
+        </inkml:channelProperties>
+      </inkml:inkSource>
+      <inkml:timestamp xml:id="ts0" timeString="2024-12-12T02:50:26.760"/>
+    </inkml:context>
+    <inkml:brush xml:id="br0">
+      <inkml:brushProperty name="width" value="0.035" units="cm"/>
+      <inkml:brushProperty name="height" value="0.035" units="cm"/>
+    </inkml:brush>
+  </inkml:definitions>
+  <inkml:trace contextRef="#ctx0" brushRef="#br0">1 1 24575,'0'0'-8191</inkml:trace>
+</inkml:ink>
+</file>
+
 <file path=ppt/slideLayouts/slideLayout1.xml><?xml version="1.0" encoding="utf-8"?>
 <p:sldLayout xmlns:a="http://schemas.openxmlformats.org/drawingml/2006/main" xmlns:r="http://schemas.openxmlformats.org/officeDocument/2006/relationships" xmlns:p="http://schemas.openxmlformats.org/presentationml/2006/main" type="title" preserve="1">
   <p:cSld name="Title Slide">
@@ -279,7 +449,7 @@
           <a:p>
             <a:fld id="{3CADBD16-5BFB-4D9F-9646-C75D1B53BBB6}" type="datetimeFigureOut">
               <a:rPr lang="en-US" smtClean="0"/>
-              <a:t>12/11/2024</a:t>
+              <a:t>12/12/2024</a:t>
             </a:fld>
             <a:endParaRPr lang="en-US"/>
           </a:p>
@@ -449,7 +619,7 @@
           <a:p>
             <a:fld id="{3CADBD16-5BFB-4D9F-9646-C75D1B53BBB6}" type="datetimeFigureOut">
               <a:rPr lang="en-US" smtClean="0"/>
-              <a:t>12/11/2024</a:t>
+              <a:t>12/12/2024</a:t>
             </a:fld>
             <a:endParaRPr lang="en-US"/>
           </a:p>
@@ -629,7 +799,7 @@
           <a:p>
             <a:fld id="{3CADBD16-5BFB-4D9F-9646-C75D1B53BBB6}" type="datetimeFigureOut">
               <a:rPr lang="en-US" smtClean="0"/>
-              <a:t>12/11/2024</a:t>
+              <a:t>12/12/2024</a:t>
             </a:fld>
             <a:endParaRPr lang="en-US"/>
           </a:p>
@@ -799,7 +969,7 @@
           <a:p>
             <a:fld id="{3CADBD16-5BFB-4D9F-9646-C75D1B53BBB6}" type="datetimeFigureOut">
               <a:rPr lang="en-US" smtClean="0"/>
-              <a:t>12/11/2024</a:t>
+              <a:t>12/12/2024</a:t>
             </a:fld>
             <a:endParaRPr lang="en-US"/>
           </a:p>
@@ -1045,7 +1215,7 @@
           <a:p>
             <a:fld id="{3CADBD16-5BFB-4D9F-9646-C75D1B53BBB6}" type="datetimeFigureOut">
               <a:rPr lang="en-US" smtClean="0"/>
-              <a:t>12/11/2024</a:t>
+              <a:t>12/12/2024</a:t>
             </a:fld>
             <a:endParaRPr lang="en-US"/>
           </a:p>
@@ -1277,7 +1447,7 @@
           <a:p>
             <a:fld id="{3CADBD16-5BFB-4D9F-9646-C75D1B53BBB6}" type="datetimeFigureOut">
               <a:rPr lang="en-US" smtClean="0"/>
-              <a:t>12/11/2024</a:t>
+              <a:t>12/12/2024</a:t>
             </a:fld>
             <a:endParaRPr lang="en-US"/>
           </a:p>
@@ -1644,7 +1814,7 @@
           <a:p>
             <a:fld id="{3CADBD16-5BFB-4D9F-9646-C75D1B53BBB6}" type="datetimeFigureOut">
               <a:rPr lang="en-US" smtClean="0"/>
-              <a:t>12/11/2024</a:t>
+              <a:t>12/12/2024</a:t>
             </a:fld>
             <a:endParaRPr lang="en-US"/>
           </a:p>
@@ -1762,7 +1932,7 @@
           <a:p>
             <a:fld id="{3CADBD16-5BFB-4D9F-9646-C75D1B53BBB6}" type="datetimeFigureOut">
               <a:rPr lang="en-US" smtClean="0"/>
-              <a:t>12/11/2024</a:t>
+              <a:t>12/12/2024</a:t>
             </a:fld>
             <a:endParaRPr lang="en-US"/>
           </a:p>
@@ -1857,7 +2027,7 @@
           <a:p>
             <a:fld id="{3CADBD16-5BFB-4D9F-9646-C75D1B53BBB6}" type="datetimeFigureOut">
               <a:rPr lang="en-US" smtClean="0"/>
-              <a:t>12/11/2024</a:t>
+              <a:t>12/12/2024</a:t>
             </a:fld>
             <a:endParaRPr lang="en-US"/>
           </a:p>
@@ -2134,7 +2304,7 @@
           <a:p>
             <a:fld id="{3CADBD16-5BFB-4D9F-9646-C75D1B53BBB6}" type="datetimeFigureOut">
               <a:rPr lang="en-US" smtClean="0"/>
-              <a:t>12/11/2024</a:t>
+              <a:t>12/12/2024</a:t>
             </a:fld>
             <a:endParaRPr lang="en-US"/>
           </a:p>
@@ -2391,7 +2561,7 @@
           <a:p>
             <a:fld id="{3CADBD16-5BFB-4D9F-9646-C75D1B53BBB6}" type="datetimeFigureOut">
               <a:rPr lang="en-US" smtClean="0"/>
-              <a:t>12/11/2024</a:t>
+              <a:t>12/12/2024</a:t>
             </a:fld>
             <a:endParaRPr lang="en-US"/>
           </a:p>
@@ -2605,7 +2775,7 @@
             <a:fld id="{3CADBD16-5BFB-4D9F-9646-C75D1B53BBB6}" type="datetimeFigureOut">
               <a:rPr lang="en-US" smtClean="0"/>
               <a:pPr/>
-              <a:t>12/11/2024</a:t>
+              <a:t>12/12/2024</a:t>
             </a:fld>
             <a:endParaRPr lang="en-US" dirty="0"/>
           </a:p>
@@ -3297,7 +3467,577 @@
 </p:sld>
 </file>
 
+<file path=ppt/slides/slide10.xml><?xml version="1.0" encoding="utf-8"?>
+<p:sld xmlns:a="http://schemas.openxmlformats.org/drawingml/2006/main" xmlns:r="http://schemas.openxmlformats.org/officeDocument/2006/relationships" xmlns:p="http://schemas.openxmlformats.org/presentationml/2006/main">
+  <p:cSld>
+    <p:spTree>
+      <p:nvGrpSpPr>
+        <p:cNvPr id="1" name="">
+          <a:extLst>
+            <a:ext uri="{FF2B5EF4-FFF2-40B4-BE49-F238E27FC236}">
+              <a16:creationId xmlns:a16="http://schemas.microsoft.com/office/drawing/2014/main" id="{9A11C6AE-5008-B050-E176-BC894C4E5866}"/>
+            </a:ext>
+          </a:extLst>
+        </p:cNvPr>
+        <p:cNvGrpSpPr/>
+        <p:nvPr/>
+      </p:nvGrpSpPr>
+      <p:grpSpPr>
+        <a:xfrm>
+          <a:off x="0" y="0"/>
+          <a:ext cx="0" cy="0"/>
+          <a:chOff x="0" y="0"/>
+          <a:chExt cx="0" cy="0"/>
+        </a:xfrm>
+      </p:grpSpPr>
+      <p:sp>
+        <p:nvSpPr>
+          <p:cNvPr id="4" name="Title 3">
+            <a:extLst>
+              <a:ext uri="{FF2B5EF4-FFF2-40B4-BE49-F238E27FC236}">
+                <a16:creationId xmlns:a16="http://schemas.microsoft.com/office/drawing/2014/main" id="{C12681CA-B994-7DB9-9B65-1122FA9AA20C}"/>
+              </a:ext>
+            </a:extLst>
+          </p:cNvPr>
+          <p:cNvSpPr>
+            <a:spLocks noGrp="1"/>
+          </p:cNvSpPr>
+          <p:nvPr>
+            <p:ph type="title"/>
+          </p:nvPr>
+        </p:nvSpPr>
+        <p:spPr>
+          <a:xfrm>
+            <a:off x="838200" y="328549"/>
+            <a:ext cx="10515600" cy="1325563"/>
+          </a:xfrm>
+        </p:spPr>
+        <p:txBody>
+          <a:bodyPr>
+            <a:normAutofit/>
+          </a:bodyPr>
+          <a:lstStyle/>
+          <a:p>
+            <a:pPr algn="ctr"/>
+            <a:r>
+              <a:rPr lang="en-CA" sz="3200" dirty="0"/>
+              <a:t>References</a:t>
+            </a:r>
+          </a:p>
+        </p:txBody>
+      </p:sp>
+      <mc:AlternateContent xmlns:mc="http://schemas.openxmlformats.org/markup-compatibility/2006">
+        <mc:Choice xmlns:p14="http://schemas.microsoft.com/office/powerpoint/2010/main" Requires="p14">
+          <p:contentPart p14:bwMode="auto" r:id="rId2">
+            <p14:nvContentPartPr>
+              <p14:cNvPr id="11" name="Ink 10">
+                <a:extLst>
+                  <a:ext uri="{FF2B5EF4-FFF2-40B4-BE49-F238E27FC236}">
+                    <a16:creationId xmlns:a16="http://schemas.microsoft.com/office/drawing/2014/main" id="{0C009B84-F6A8-DE04-A438-3039457A2531}"/>
+                  </a:ext>
+                </a:extLst>
+              </p14:cNvPr>
+              <p14:cNvContentPartPr/>
+              <p14:nvPr/>
+            </p14:nvContentPartPr>
+            <p14:xfrm>
+              <a:off x="8537381" y="2261520"/>
+              <a:ext cx="360" cy="360"/>
+            </p14:xfrm>
+          </p:contentPart>
+        </mc:Choice>
+        <mc:Fallback>
+          <p:pic>
+            <p:nvPicPr>
+              <p:cNvPr id="11" name="Ink 10">
+                <a:extLst>
+                  <a:ext uri="{FF2B5EF4-FFF2-40B4-BE49-F238E27FC236}">
+                    <a16:creationId xmlns:a16="http://schemas.microsoft.com/office/drawing/2014/main" id="{0C009B84-F6A8-DE04-A438-3039457A2531}"/>
+                  </a:ext>
+                </a:extLst>
+              </p:cNvPr>
+              <p:cNvPicPr/>
+              <p:nvPr/>
+            </p:nvPicPr>
+            <p:blipFill>
+              <a:blip r:embed="rId3"/>
+              <a:stretch>
+                <a:fillRect/>
+              </a:stretch>
+            </p:blipFill>
+            <p:spPr>
+              <a:xfrm>
+                <a:off x="8531261" y="2255400"/>
+                <a:ext cx="12600" cy="12600"/>
+              </a:xfrm>
+              <a:prstGeom prst="rect">
+                <a:avLst/>
+              </a:prstGeom>
+            </p:spPr>
+          </p:pic>
+        </mc:Fallback>
+      </mc:AlternateContent>
+      <p:sp>
+        <p:nvSpPr>
+          <p:cNvPr id="3" name="TextBox 2">
+            <a:extLst>
+              <a:ext uri="{FF2B5EF4-FFF2-40B4-BE49-F238E27FC236}">
+                <a16:creationId xmlns:a16="http://schemas.microsoft.com/office/drawing/2014/main" id="{46367A89-29F6-9440-C55A-35F03A05337C}"/>
+              </a:ext>
+            </a:extLst>
+          </p:cNvPr>
+          <p:cNvSpPr txBox="1"/>
+          <p:nvPr/>
+        </p:nvSpPr>
+        <p:spPr>
+          <a:xfrm>
+            <a:off x="1033272" y="1243584"/>
+            <a:ext cx="10744200" cy="5078313"/>
+          </a:xfrm>
+          <a:prstGeom prst="rect">
+            <a:avLst/>
+          </a:prstGeom>
+          <a:noFill/>
+        </p:spPr>
+        <p:txBody>
+          <a:bodyPr wrap="square" rtlCol="0">
+            <a:spAutoFit/>
+          </a:bodyPr>
+          <a:lstStyle/>
+          <a:p>
+            <a:pPr marL="285750" indent="-285750">
+              <a:buFont typeface="Arial" panose="020B0604020202020204" pitchFamily="34" charset="0"/>
+              <a:buChar char="•"/>
+            </a:pPr>
+            <a:r>
+              <a:rPr lang="en-CA" dirty="0"/>
+              <a:t>Line of transistors [Photograph]. (</a:t>
+            </a:r>
+            <a:r>
+              <a:rPr lang="en-CA" dirty="0" err="1"/>
+              <a:t>n.d</a:t>
+            </a:r>
+            <a:r>
+              <a:rPr lang="en-CA" dirty="0"/>
+              <a:t>). </a:t>
+            </a:r>
+            <a:r>
+              <a:rPr lang="en-CA" dirty="0" err="1"/>
+              <a:t>Raypcb</a:t>
+            </a:r>
+            <a:r>
+              <a:rPr lang="en-CA" dirty="0"/>
+              <a:t>. </a:t>
+            </a:r>
+            <a:r>
+              <a:rPr lang="en-CA" dirty="0">
+                <a:hlinkClick r:id="rId4"/>
+              </a:rPr>
+              <a:t>https://www.raypcb.com/transistor-circuit-diagram/</a:t>
+            </a:r>
+            <a:endParaRPr lang="en-CA" dirty="0"/>
+          </a:p>
+          <a:p>
+            <a:pPr marL="285750" indent="-285750">
+              <a:buFont typeface="Arial" panose="020B0604020202020204" pitchFamily="34" charset="0"/>
+              <a:buChar char="•"/>
+            </a:pPr>
+            <a:r>
+              <a:rPr lang="en-CA" dirty="0"/>
+              <a:t>Spectrum of conductors and insulators [Diagram]. (</a:t>
+            </a:r>
+            <a:r>
+              <a:rPr lang="en-CA" dirty="0" err="1"/>
+              <a:t>n.d</a:t>
+            </a:r>
+            <a:r>
+              <a:rPr lang="en-CA" dirty="0"/>
+              <a:t>). Toshiba. </a:t>
+            </a:r>
+            <a:r>
+              <a:rPr lang="en-CA" dirty="0">
+                <a:hlinkClick r:id="rId5"/>
+              </a:rPr>
+              <a:t>https://toshiba.semicon-storage.com/us/semiconductor/knowledge/e-learning/basics-of-schottky-barrier-diodes/chap1/chap1-1.html</a:t>
+            </a:r>
+            <a:r>
+              <a:rPr lang="en-CA" dirty="0"/>
+              <a:t> </a:t>
+            </a:r>
+          </a:p>
+          <a:p>
+            <a:pPr marL="285750" indent="-285750">
+              <a:buFont typeface="Arial" panose="020B0604020202020204" pitchFamily="34" charset="0"/>
+              <a:buChar char="•"/>
+            </a:pPr>
+            <a:r>
+              <a:rPr lang="en-CA" dirty="0"/>
+              <a:t>Britannica. (2024, Nov 22). Semiconductor. </a:t>
+            </a:r>
+            <a:r>
+              <a:rPr lang="en-CA" dirty="0">
+                <a:hlinkClick r:id="rId6"/>
+              </a:rPr>
+              <a:t>https://www.britannica.com/science/semiconductor/The-p-n-junction</a:t>
+            </a:r>
+            <a:r>
+              <a:rPr lang="en-CA" dirty="0"/>
+              <a:t> </a:t>
+            </a:r>
+          </a:p>
+          <a:p>
+            <a:pPr marL="285750" indent="-285750">
+              <a:buFont typeface="Arial" panose="020B0604020202020204" pitchFamily="34" charset="0"/>
+              <a:buChar char="•"/>
+            </a:pPr>
+            <a:r>
+              <a:rPr lang="en-CA" dirty="0"/>
+              <a:t>Britannica. (2024, Dec 11).  Diode. </a:t>
+            </a:r>
+            <a:r>
+              <a:rPr lang="en-CA" dirty="0">
+                <a:hlinkClick r:id="rId7"/>
+              </a:rPr>
+              <a:t>https://www.britannica.com/techno</a:t>
+            </a:r>
+            <a:r>
+              <a:rPr lang="en-CA" dirty="0">
+                <a:hlinkClick r:id="rId7"/>
+              </a:rPr>
+              <a:t>log</a:t>
+            </a:r>
+            <a:r>
+              <a:rPr lang="en-CA" dirty="0">
+                <a:hlinkClick r:id="rId7"/>
+              </a:rPr>
+              <a:t>y/diode</a:t>
+            </a:r>
+            <a:r>
+              <a:rPr lang="en-CA" dirty="0"/>
+              <a:t> </a:t>
+            </a:r>
+          </a:p>
+          <a:p>
+            <a:pPr marL="285750" indent="-285750">
+              <a:buFont typeface="Arial" panose="020B0604020202020204" pitchFamily="34" charset="0"/>
+              <a:buChar char="•"/>
+            </a:pPr>
+            <a:r>
+              <a:rPr lang="en-CA" dirty="0"/>
+              <a:t>Britannica. (2024, Nov 13). Integrated Circuit. </a:t>
+            </a:r>
+            <a:r>
+              <a:rPr lang="en-CA" dirty="0">
+                <a:hlinkClick r:id="rId8"/>
+              </a:rPr>
+              <a:t>https://www.britannica.com/technology/integrated-circuit</a:t>
+            </a:r>
+            <a:r>
+              <a:rPr lang="en-CA" dirty="0"/>
+              <a:t> </a:t>
+            </a:r>
+          </a:p>
+          <a:p>
+            <a:pPr marL="285750" indent="-285750">
+              <a:buFont typeface="Arial" panose="020B0604020202020204" pitchFamily="34" charset="0"/>
+              <a:buChar char="•"/>
+            </a:pPr>
+            <a:r>
+              <a:rPr lang="en-CA" dirty="0"/>
+              <a:t>Britannica. (2024, Oct 30). Transistor. </a:t>
+            </a:r>
+            <a:r>
+              <a:rPr lang="en-CA" dirty="0">
+                <a:hlinkClick r:id="rId9"/>
+              </a:rPr>
+              <a:t>https://www.britannica.com/technology/transistor</a:t>
+            </a:r>
+            <a:r>
+              <a:rPr lang="en-CA" dirty="0"/>
+              <a:t> </a:t>
+            </a:r>
+          </a:p>
+          <a:p>
+            <a:pPr marL="285750" indent="-285750">
+              <a:buFont typeface="Arial" panose="020B0604020202020204" pitchFamily="34" charset="0"/>
+              <a:buChar char="•"/>
+            </a:pPr>
+            <a:r>
+              <a:rPr lang="en-CA" dirty="0"/>
+              <a:t>Segal, T  (2024, July 25). What is a Semiconductor and How is it Used. Investopedia. </a:t>
+            </a:r>
+            <a:r>
+              <a:rPr lang="en-CA" dirty="0">
+                <a:hlinkClick r:id="rId10"/>
+              </a:rPr>
+              <a:t>https://www.investopedia.com/terms/s/semiconductor.asp</a:t>
+            </a:r>
+            <a:r>
+              <a:rPr lang="en-CA" dirty="0"/>
+              <a:t> </a:t>
+            </a:r>
+          </a:p>
+          <a:p>
+            <a:pPr marL="285750" indent="-285750">
+              <a:buFont typeface="Arial" panose="020B0604020202020204" pitchFamily="34" charset="0"/>
+              <a:buChar char="•"/>
+            </a:pPr>
+            <a:r>
+              <a:rPr lang="en-CA" dirty="0"/>
+              <a:t>  Liberto, D (2024, July 31). 10 Biggest Semiconductor Companies. Investopedia. </a:t>
+            </a:r>
+            <a:r>
+              <a:rPr lang="en-CA" dirty="0">
+                <a:hlinkClick r:id="rId11"/>
+              </a:rPr>
+              <a:t>https://www.investopedia.com/articles/markets/012216/worlds-top-10-semiconductor-companies-tsmintc.asp</a:t>
+            </a:r>
+            <a:r>
+              <a:rPr lang="en-CA" dirty="0"/>
+              <a:t> </a:t>
+            </a:r>
+          </a:p>
+          <a:p>
+            <a:pPr marL="285750" indent="-285750">
+              <a:buFont typeface="Arial" panose="020B0604020202020204" pitchFamily="34" charset="0"/>
+              <a:buChar char="•"/>
+            </a:pPr>
+            <a:endParaRPr lang="en-CA" dirty="0"/>
+          </a:p>
+          <a:p>
+            <a:pPr marL="285750" indent="-285750">
+              <a:buFont typeface="Arial" panose="020B0604020202020204" pitchFamily="34" charset="0"/>
+              <a:buChar char="•"/>
+            </a:pPr>
+            <a:endParaRPr lang="en-CA" dirty="0"/>
+          </a:p>
+          <a:p>
+            <a:pPr marL="285750" indent="-285750">
+              <a:buFont typeface="Arial" panose="020B0604020202020204" pitchFamily="34" charset="0"/>
+              <a:buChar char="•"/>
+            </a:pPr>
+            <a:endParaRPr lang="en-CA" dirty="0"/>
+          </a:p>
+          <a:p>
+            <a:pPr marL="285750" indent="-285750">
+              <a:buFont typeface="Arial" panose="020B0604020202020204" pitchFamily="34" charset="0"/>
+              <a:buChar char="•"/>
+            </a:pPr>
+            <a:endParaRPr lang="en-CA" dirty="0"/>
+          </a:p>
+        </p:txBody>
+      </p:sp>
+    </p:spTree>
+    <p:extLst>
+      <p:ext uri="{BB962C8B-B14F-4D97-AF65-F5344CB8AC3E}">
+        <p14:creationId xmlns:p14="http://schemas.microsoft.com/office/powerpoint/2010/main" val="2713989268"/>
+      </p:ext>
+    </p:extLst>
+  </p:cSld>
+  <p:clrMapOvr>
+    <a:masterClrMapping/>
+  </p:clrMapOvr>
+</p:sld>
+</file>
+
 <file path=ppt/slides/slide2.xml><?xml version="1.0" encoding="utf-8"?>
+<p:sld xmlns:a="http://schemas.openxmlformats.org/drawingml/2006/main" xmlns:r="http://schemas.openxmlformats.org/officeDocument/2006/relationships" xmlns:p="http://schemas.openxmlformats.org/presentationml/2006/main">
+  <p:cSld>
+    <p:spTree>
+      <p:nvGrpSpPr>
+        <p:cNvPr id="1" name="">
+          <a:extLst>
+            <a:ext uri="{FF2B5EF4-FFF2-40B4-BE49-F238E27FC236}">
+              <a16:creationId xmlns:a16="http://schemas.microsoft.com/office/drawing/2014/main" id="{58D0CBC5-45DF-AD84-4981-76968C53AF73}"/>
+            </a:ext>
+          </a:extLst>
+        </p:cNvPr>
+        <p:cNvGrpSpPr/>
+        <p:nvPr/>
+      </p:nvGrpSpPr>
+      <p:grpSpPr>
+        <a:xfrm>
+          <a:off x="0" y="0"/>
+          <a:ext cx="0" cy="0"/>
+          <a:chOff x="0" y="0"/>
+          <a:chExt cx="0" cy="0"/>
+        </a:xfrm>
+      </p:grpSpPr>
+      <p:sp>
+        <p:nvSpPr>
+          <p:cNvPr id="4" name="Title 3">
+            <a:extLst>
+              <a:ext uri="{FF2B5EF4-FFF2-40B4-BE49-F238E27FC236}">
+                <a16:creationId xmlns:a16="http://schemas.microsoft.com/office/drawing/2014/main" id="{9C88BBEA-B96F-C7DE-AD82-BE0D5E7709FB}"/>
+              </a:ext>
+            </a:extLst>
+          </p:cNvPr>
+          <p:cNvSpPr>
+            <a:spLocks noGrp="1"/>
+          </p:cNvSpPr>
+          <p:nvPr>
+            <p:ph type="title"/>
+          </p:nvPr>
+        </p:nvSpPr>
+        <p:spPr/>
+        <p:txBody>
+          <a:bodyPr>
+            <a:normAutofit/>
+          </a:bodyPr>
+          <a:lstStyle/>
+          <a:p>
+            <a:pPr algn="ctr"/>
+            <a:r>
+              <a:rPr lang="en-CA" sz="3200" dirty="0"/>
+              <a:t>What will be discussed?</a:t>
+            </a:r>
+          </a:p>
+        </p:txBody>
+      </p:sp>
+      <mc:AlternateContent xmlns:mc="http://schemas.openxmlformats.org/markup-compatibility/2006" xmlns:p14="http://schemas.microsoft.com/office/powerpoint/2010/main">
+        <mc:Choice Requires="p14">
+          <p:contentPart p14:bwMode="auto" r:id="rId2">
+            <p14:nvContentPartPr>
+              <p14:cNvPr id="11" name="Ink 10">
+                <a:extLst>
+                  <a:ext uri="{FF2B5EF4-FFF2-40B4-BE49-F238E27FC236}">
+                    <a16:creationId xmlns:a16="http://schemas.microsoft.com/office/drawing/2014/main" id="{72ABC6D4-5F24-BCF1-A1AA-8FB56075E8BC}"/>
+                  </a:ext>
+                </a:extLst>
+              </p14:cNvPr>
+              <p14:cNvContentPartPr/>
+              <p14:nvPr/>
+            </p14:nvContentPartPr>
+            <p14:xfrm>
+              <a:off x="8537381" y="2261520"/>
+              <a:ext cx="360" cy="360"/>
+            </p14:xfrm>
+          </p:contentPart>
+        </mc:Choice>
+        <mc:Fallback xmlns="">
+          <p:pic>
+            <p:nvPicPr>
+              <p:cNvPr id="11" name="Ink 10">
+                <a:extLst>
+                  <a:ext uri="{FF2B5EF4-FFF2-40B4-BE49-F238E27FC236}">
+                    <a16:creationId xmlns:a16="http://schemas.microsoft.com/office/drawing/2014/main" id="{290F1C82-25F5-4BA3-BA49-6D9A116A221E}"/>
+                  </a:ext>
+                </a:extLst>
+              </p:cNvPr>
+              <p:cNvPicPr/>
+              <p:nvPr/>
+            </p:nvPicPr>
+            <p:blipFill>
+              <a:blip r:embed="rId3"/>
+              <a:stretch>
+                <a:fillRect/>
+              </a:stretch>
+            </p:blipFill>
+            <p:spPr>
+              <a:xfrm>
+                <a:off x="8531261" y="2255400"/>
+                <a:ext cx="12600" cy="12600"/>
+              </a:xfrm>
+              <a:prstGeom prst="rect">
+                <a:avLst/>
+              </a:prstGeom>
+            </p:spPr>
+          </p:pic>
+        </mc:Fallback>
+      </mc:AlternateContent>
+      <p:sp>
+        <p:nvSpPr>
+          <p:cNvPr id="5" name="TextBox 4">
+            <a:extLst>
+              <a:ext uri="{FF2B5EF4-FFF2-40B4-BE49-F238E27FC236}">
+                <a16:creationId xmlns:a16="http://schemas.microsoft.com/office/drawing/2014/main" id="{F97685EC-B02A-01AE-4264-F142A734C1AD}"/>
+              </a:ext>
+            </a:extLst>
+          </p:cNvPr>
+          <p:cNvSpPr txBox="1"/>
+          <p:nvPr/>
+        </p:nvSpPr>
+        <p:spPr>
+          <a:xfrm>
+            <a:off x="1085088" y="1367522"/>
+            <a:ext cx="10634472" cy="2215991"/>
+          </a:xfrm>
+          <a:prstGeom prst="rect">
+            <a:avLst/>
+          </a:prstGeom>
+          <a:noFill/>
+        </p:spPr>
+        <p:txBody>
+          <a:bodyPr wrap="square" rtlCol="0">
+            <a:spAutoFit/>
+          </a:bodyPr>
+          <a:lstStyle/>
+          <a:p>
+            <a:endParaRPr lang="en-CA" dirty="0"/>
+          </a:p>
+          <a:p>
+            <a:pPr marL="342900" indent="-342900">
+              <a:buFont typeface="Arial" panose="020B0604020202020204" pitchFamily="34" charset="0"/>
+              <a:buChar char="•"/>
+            </a:pPr>
+            <a:r>
+              <a:rPr lang="en-CA" sz="2400" dirty="0"/>
+              <a:t>What are semiconductors?</a:t>
+            </a:r>
+          </a:p>
+          <a:p>
+            <a:pPr marL="342900" indent="-342900">
+              <a:buFont typeface="Arial" panose="020B0604020202020204" pitchFamily="34" charset="0"/>
+              <a:buChar char="•"/>
+            </a:pPr>
+            <a:r>
+              <a:rPr lang="en-CA" sz="2400" dirty="0"/>
+              <a:t>What are the components in semiconductors?</a:t>
+            </a:r>
+          </a:p>
+          <a:p>
+            <a:pPr marL="342900" indent="-342900">
+              <a:buFont typeface="Arial" panose="020B0604020202020204" pitchFamily="34" charset="0"/>
+              <a:buChar char="•"/>
+            </a:pPr>
+            <a:r>
+              <a:rPr lang="en-CA" sz="2400" dirty="0"/>
+              <a:t>The many different uses of the semiconductor</a:t>
+            </a:r>
+          </a:p>
+          <a:p>
+            <a:pPr marL="342900" indent="-342900">
+              <a:buFont typeface="Arial" panose="020B0604020202020204" pitchFamily="34" charset="0"/>
+              <a:buChar char="•"/>
+            </a:pPr>
+            <a:r>
+              <a:rPr lang="en-CA" sz="2400" dirty="0"/>
+              <a:t>The Semiconductor chip industry</a:t>
+            </a:r>
+          </a:p>
+          <a:p>
+            <a:pPr marL="342900" indent="-342900">
+              <a:buFont typeface="Arial" panose="020B0604020202020204" pitchFamily="34" charset="0"/>
+              <a:buChar char="•"/>
+            </a:pPr>
+            <a:endParaRPr lang="en-CA" sz="2400" dirty="0"/>
+          </a:p>
+        </p:txBody>
+      </p:sp>
+    </p:spTree>
+    <p:extLst>
+      <p:ext uri="{BB962C8B-B14F-4D97-AF65-F5344CB8AC3E}">
+        <p14:creationId xmlns:p14="http://schemas.microsoft.com/office/powerpoint/2010/main" val="579337818"/>
+      </p:ext>
+    </p:extLst>
+  </p:cSld>
+  <p:clrMapOvr>
+    <a:masterClrMapping/>
+  </p:clrMapOvr>
+</p:sld>
+</file>
+
+<file path=ppt/slides/slide3.xml><?xml version="1.0" encoding="utf-8"?>
 <p:sld xmlns:a="http://schemas.openxmlformats.org/drawingml/2006/main" xmlns:r="http://schemas.openxmlformats.org/officeDocument/2006/relationships" xmlns:p="http://schemas.openxmlformats.org/presentationml/2006/main">
   <p:cSld>
     <p:spTree>
@@ -3330,7 +4070,12 @@
             <p:ph type="title"/>
           </p:nvPr>
         </p:nvSpPr>
-        <p:spPr/>
+        <p:spPr>
+          <a:xfrm>
+            <a:off x="838200" y="96901"/>
+            <a:ext cx="10515600" cy="1325563"/>
+          </a:xfrm>
+        </p:spPr>
         <p:txBody>
           <a:bodyPr>
             <a:normAutofit/>
@@ -3353,6 +4098,661 @@
                 <a:extLst>
                   <a:ext uri="{FF2B5EF4-FFF2-40B4-BE49-F238E27FC236}">
                     <a16:creationId xmlns:a16="http://schemas.microsoft.com/office/drawing/2014/main" id="{290F1C82-25F5-4BA3-BA49-6D9A116A221E}"/>
+                  </a:ext>
+                </a:extLst>
+              </p14:cNvPr>
+              <p14:cNvContentPartPr/>
+              <p14:nvPr/>
+            </p14:nvContentPartPr>
+            <p14:xfrm>
+              <a:off x="8537381" y="2261520"/>
+              <a:ext cx="360" cy="360"/>
+            </p14:xfrm>
+          </p:contentPart>
+        </mc:Choice>
+        <mc:Fallback xmlns="">
+          <p:pic>
+            <p:nvPicPr>
+              <p:cNvPr id="11" name="Ink 10">
+                <a:extLst>
+                  <a:ext uri="{FF2B5EF4-FFF2-40B4-BE49-F238E27FC236}">
+                    <a16:creationId xmlns:a16="http://schemas.microsoft.com/office/drawing/2014/main" id="{290F1C82-25F5-4BA3-BA49-6D9A116A221E}"/>
+                  </a:ext>
+                </a:extLst>
+              </p:cNvPr>
+              <p:cNvPicPr/>
+              <p:nvPr/>
+            </p:nvPicPr>
+            <p:blipFill>
+              <a:blip r:embed="rId3"/>
+              <a:stretch>
+                <a:fillRect/>
+              </a:stretch>
+            </p:blipFill>
+            <p:spPr>
+              <a:xfrm>
+                <a:off x="8531261" y="2255400"/>
+                <a:ext cx="12600" cy="12600"/>
+              </a:xfrm>
+              <a:prstGeom prst="rect">
+                <a:avLst/>
+              </a:prstGeom>
+            </p:spPr>
+          </p:pic>
+        </mc:Fallback>
+      </mc:AlternateContent>
+      <p:pic>
+        <p:nvPicPr>
+          <p:cNvPr id="2050" name="Picture 2" descr="Figure 1-1  Categories of materials according to their electrical resistivity">
+            <a:extLst>
+              <a:ext uri="{FF2B5EF4-FFF2-40B4-BE49-F238E27FC236}">
+                <a16:creationId xmlns:a16="http://schemas.microsoft.com/office/drawing/2014/main" id="{48DE76EB-E529-80C2-7CE4-7CAF6F41E8EA}"/>
+              </a:ext>
+            </a:extLst>
+          </p:cNvPr>
+          <p:cNvPicPr>
+            <a:picLocks noChangeAspect="1" noChangeArrowheads="1"/>
+          </p:cNvPicPr>
+          <p:nvPr/>
+        </p:nvPicPr>
+        <p:blipFill>
+          <a:blip r:embed="rId4">
+            <a:extLst>
+              <a:ext uri="{28A0092B-C50C-407E-A947-70E740481C1C}">
+                <a14:useLocalDpi xmlns:a14="http://schemas.microsoft.com/office/drawing/2010/main" val="0"/>
+              </a:ext>
+            </a:extLst>
+          </a:blip>
+          <a:srcRect/>
+          <a:stretch>
+            <a:fillRect/>
+          </a:stretch>
+        </p:blipFill>
+        <p:spPr bwMode="auto">
+          <a:xfrm>
+            <a:off x="8608920" y="4596121"/>
+            <a:ext cx="3317904" cy="1864346"/>
+          </a:xfrm>
+          <a:prstGeom prst="rect">
+            <a:avLst/>
+          </a:prstGeom>
+          <a:solidFill>
+            <a:schemeClr val="bg1"/>
+          </a:solidFill>
+        </p:spPr>
+      </p:pic>
+      <p:sp>
+        <p:nvSpPr>
+          <p:cNvPr id="2" name="TextBox 1">
+            <a:extLst>
+              <a:ext uri="{FF2B5EF4-FFF2-40B4-BE49-F238E27FC236}">
+                <a16:creationId xmlns:a16="http://schemas.microsoft.com/office/drawing/2014/main" id="{19BF087E-AE23-B401-74E7-3A8AC6AD1008}"/>
+              </a:ext>
+            </a:extLst>
+          </p:cNvPr>
+          <p:cNvSpPr txBox="1"/>
+          <p:nvPr/>
+        </p:nvSpPr>
+        <p:spPr>
+          <a:xfrm>
+            <a:off x="631296" y="1305289"/>
+            <a:ext cx="11210184" cy="2585323"/>
+          </a:xfrm>
+          <a:prstGeom prst="rect">
+            <a:avLst/>
+          </a:prstGeom>
+          <a:noFill/>
+        </p:spPr>
+        <p:txBody>
+          <a:bodyPr wrap="square" rtlCol="0">
+            <a:spAutoFit/>
+          </a:bodyPr>
+          <a:lstStyle/>
+          <a:p>
+            <a:pPr marL="285750" indent="-285750">
+              <a:buFont typeface="Arial" panose="020B0604020202020204" pitchFamily="34" charset="0"/>
+              <a:buChar char="•"/>
+            </a:pPr>
+            <a:r>
+              <a:rPr lang="en-CA" dirty="0"/>
+              <a:t>They are considered a mix between an inductor and conductor</a:t>
+            </a:r>
+          </a:p>
+          <a:p>
+            <a:pPr marL="285750" indent="-285750">
+              <a:buFont typeface="Arial" panose="020B0604020202020204" pitchFamily="34" charset="0"/>
+              <a:buChar char="•"/>
+            </a:pPr>
+            <a:endParaRPr lang="en-CA" dirty="0"/>
+          </a:p>
+          <a:p>
+            <a:pPr marL="285750" indent="-285750">
+              <a:buFont typeface="Arial" panose="020B0604020202020204" pitchFamily="34" charset="0"/>
+              <a:buChar char="•"/>
+            </a:pPr>
+            <a:endParaRPr lang="en-CA" dirty="0"/>
+          </a:p>
+          <a:p>
+            <a:pPr marL="285750" indent="-285750">
+              <a:buFont typeface="Arial" panose="020B0604020202020204" pitchFamily="34" charset="0"/>
+              <a:buChar char="•"/>
+            </a:pPr>
+            <a:endParaRPr lang="en-CA" dirty="0"/>
+          </a:p>
+          <a:p>
+            <a:pPr marL="285750" indent="-285750">
+              <a:buFont typeface="Arial" panose="020B0604020202020204" pitchFamily="34" charset="0"/>
+              <a:buChar char="•"/>
+            </a:pPr>
+            <a:endParaRPr lang="en-CA" dirty="0"/>
+          </a:p>
+          <a:p>
+            <a:pPr marL="285750" indent="-285750">
+              <a:buFont typeface="Arial" panose="020B0604020202020204" pitchFamily="34" charset="0"/>
+              <a:buChar char="•"/>
+            </a:pPr>
+            <a:endParaRPr lang="en-CA" dirty="0"/>
+          </a:p>
+          <a:p>
+            <a:pPr marL="285750" indent="-285750">
+              <a:buFont typeface="Arial" panose="020B0604020202020204" pitchFamily="34" charset="0"/>
+              <a:buChar char="•"/>
+            </a:pPr>
+            <a:endParaRPr lang="en-CA" dirty="0"/>
+          </a:p>
+          <a:p>
+            <a:pPr marL="285750" indent="-285750">
+              <a:buFont typeface="Arial" panose="020B0604020202020204" pitchFamily="34" charset="0"/>
+              <a:buChar char="•"/>
+            </a:pPr>
+            <a:endParaRPr lang="en-CA" dirty="0"/>
+          </a:p>
+          <a:p>
+            <a:endParaRPr lang="en-CA" dirty="0"/>
+          </a:p>
+        </p:txBody>
+      </p:sp>
+      <p:sp>
+        <p:nvSpPr>
+          <p:cNvPr id="3" name="TextBox 2">
+            <a:extLst>
+              <a:ext uri="{FF2B5EF4-FFF2-40B4-BE49-F238E27FC236}">
+                <a16:creationId xmlns:a16="http://schemas.microsoft.com/office/drawing/2014/main" id="{E627FE63-D934-3479-5D6B-2A90DBB2A9A4}"/>
+              </a:ext>
+            </a:extLst>
+          </p:cNvPr>
+          <p:cNvSpPr txBox="1"/>
+          <p:nvPr/>
+        </p:nvSpPr>
+        <p:spPr>
+          <a:xfrm>
+            <a:off x="8537380" y="3920201"/>
+            <a:ext cx="3317903" cy="646331"/>
+          </a:xfrm>
+          <a:prstGeom prst="rect">
+            <a:avLst/>
+          </a:prstGeom>
+          <a:noFill/>
+        </p:spPr>
+        <p:txBody>
+          <a:bodyPr wrap="square" rtlCol="0">
+            <a:spAutoFit/>
+          </a:bodyPr>
+          <a:lstStyle/>
+          <a:p>
+            <a:r>
+              <a:rPr lang="en-CA" i="1" dirty="0"/>
+              <a:t>Note. </a:t>
+            </a:r>
+            <a:r>
+              <a:rPr lang="en-CA" dirty="0"/>
+              <a:t>Image of graph Sourced from Toshiba 	(</a:t>
+            </a:r>
+            <a:r>
+              <a:rPr lang="en-CA" dirty="0" err="1"/>
+              <a:t>n.d</a:t>
+            </a:r>
+            <a:r>
+              <a:rPr lang="en-CA" dirty="0"/>
+              <a:t>)</a:t>
+            </a:r>
+            <a:endParaRPr lang="en-CA" i="1" dirty="0"/>
+          </a:p>
+        </p:txBody>
+      </p:sp>
+    </p:spTree>
+    <p:extLst>
+      <p:ext uri="{BB962C8B-B14F-4D97-AF65-F5344CB8AC3E}">
+        <p14:creationId xmlns:p14="http://schemas.microsoft.com/office/powerpoint/2010/main" val="1038078820"/>
+      </p:ext>
+    </p:extLst>
+  </p:cSld>
+  <p:clrMapOvr>
+    <a:masterClrMapping/>
+  </p:clrMapOvr>
+</p:sld>
+</file>
+
+<file path=ppt/slides/slide4.xml><?xml version="1.0" encoding="utf-8"?>
+<p:sld xmlns:a="http://schemas.openxmlformats.org/drawingml/2006/main" xmlns:r="http://schemas.openxmlformats.org/officeDocument/2006/relationships" xmlns:p="http://schemas.openxmlformats.org/presentationml/2006/main">
+  <p:cSld>
+    <p:spTree>
+      <p:nvGrpSpPr>
+        <p:cNvPr id="1" name="">
+          <a:extLst>
+            <a:ext uri="{FF2B5EF4-FFF2-40B4-BE49-F238E27FC236}">
+              <a16:creationId xmlns:a16="http://schemas.microsoft.com/office/drawing/2014/main" id="{D92740E0-6909-8A8F-3714-B851FF6B7E69}"/>
+            </a:ext>
+          </a:extLst>
+        </p:cNvPr>
+        <p:cNvGrpSpPr/>
+        <p:nvPr/>
+      </p:nvGrpSpPr>
+      <p:grpSpPr>
+        <a:xfrm>
+          <a:off x="0" y="0"/>
+          <a:ext cx="0" cy="0"/>
+          <a:chOff x="0" y="0"/>
+          <a:chExt cx="0" cy="0"/>
+        </a:xfrm>
+      </p:grpSpPr>
+      <p:sp>
+        <p:nvSpPr>
+          <p:cNvPr id="4" name="Title 3">
+            <a:extLst>
+              <a:ext uri="{FF2B5EF4-FFF2-40B4-BE49-F238E27FC236}">
+                <a16:creationId xmlns:a16="http://schemas.microsoft.com/office/drawing/2014/main" id="{188D40B2-4D2E-CCE0-EAB4-97162E1B1ABD}"/>
+              </a:ext>
+            </a:extLst>
+          </p:cNvPr>
+          <p:cNvSpPr>
+            <a:spLocks noGrp="1"/>
+          </p:cNvSpPr>
+          <p:nvPr>
+            <p:ph type="title"/>
+          </p:nvPr>
+        </p:nvSpPr>
+        <p:spPr>
+          <a:xfrm>
+            <a:off x="898684" y="535773"/>
+            <a:ext cx="10241756" cy="1331127"/>
+          </a:xfrm>
+        </p:spPr>
+        <p:txBody>
+          <a:bodyPr>
+            <a:normAutofit/>
+          </a:bodyPr>
+          <a:lstStyle/>
+          <a:p>
+            <a:pPr algn="ctr"/>
+            <a:r>
+              <a:rPr lang="en-CA" sz="3200" dirty="0"/>
+              <a:t>The types of semiconductor devices</a:t>
+            </a:r>
+          </a:p>
+        </p:txBody>
+      </p:sp>
+      <mc:AlternateContent xmlns:mc="http://schemas.openxmlformats.org/markup-compatibility/2006" xmlns:p14="http://schemas.microsoft.com/office/powerpoint/2010/main">
+        <mc:Choice Requires="p14">
+          <p:contentPart p14:bwMode="auto" r:id="rId2">
+            <p14:nvContentPartPr>
+              <p14:cNvPr id="11" name="Ink 10">
+                <a:extLst>
+                  <a:ext uri="{FF2B5EF4-FFF2-40B4-BE49-F238E27FC236}">
+                    <a16:creationId xmlns:a16="http://schemas.microsoft.com/office/drawing/2014/main" id="{72B40713-4E27-C77A-7AD5-88C260D759A6}"/>
+                  </a:ext>
+                </a:extLst>
+              </p14:cNvPr>
+              <p14:cNvContentPartPr/>
+              <p14:nvPr/>
+            </p14:nvContentPartPr>
+            <p14:xfrm>
+              <a:off x="8537381" y="2261520"/>
+              <a:ext cx="360" cy="360"/>
+            </p14:xfrm>
+          </p:contentPart>
+        </mc:Choice>
+        <mc:Fallback xmlns="">
+          <p:pic>
+            <p:nvPicPr>
+              <p:cNvPr id="11" name="Ink 10">
+                <a:extLst>
+                  <a:ext uri="{FF2B5EF4-FFF2-40B4-BE49-F238E27FC236}">
+                    <a16:creationId xmlns:a16="http://schemas.microsoft.com/office/drawing/2014/main" id="{290F1C82-25F5-4BA3-BA49-6D9A116A221E}"/>
+                  </a:ext>
+                </a:extLst>
+              </p:cNvPr>
+              <p:cNvPicPr/>
+              <p:nvPr/>
+            </p:nvPicPr>
+            <p:blipFill>
+              <a:blip r:embed="rId3"/>
+              <a:stretch>
+                <a:fillRect/>
+              </a:stretch>
+            </p:blipFill>
+            <p:spPr>
+              <a:xfrm>
+                <a:off x="8531261" y="2255400"/>
+                <a:ext cx="12600" cy="12600"/>
+              </a:xfrm>
+              <a:prstGeom prst="rect">
+                <a:avLst/>
+              </a:prstGeom>
+            </p:spPr>
+          </p:pic>
+        </mc:Fallback>
+      </mc:AlternateContent>
+      <p:pic>
+        <p:nvPicPr>
+          <p:cNvPr id="2" name="Picture 2" descr="IC-2222-10 10 2n222A (Transistors) | 10 x 2N2222A Transistor… | Flickr">
+            <a:extLst>
+              <a:ext uri="{FF2B5EF4-FFF2-40B4-BE49-F238E27FC236}">
+                <a16:creationId xmlns:a16="http://schemas.microsoft.com/office/drawing/2014/main" id="{44D86FDA-DFC5-EE37-362A-BF3BDED3CBB3}"/>
+              </a:ext>
+            </a:extLst>
+          </p:cNvPr>
+          <p:cNvPicPr>
+            <a:picLocks noChangeAspect="1" noChangeArrowheads="1"/>
+          </p:cNvPicPr>
+          <p:nvPr/>
+        </p:nvPicPr>
+        <p:blipFill>
+          <a:blip r:embed="rId4">
+            <a:extLst>
+              <a:ext uri="{28A0092B-C50C-407E-A947-70E740481C1C}">
+                <a14:useLocalDpi xmlns:a14="http://schemas.microsoft.com/office/drawing/2010/main" val="0"/>
+              </a:ext>
+            </a:extLst>
+          </a:blip>
+          <a:srcRect/>
+          <a:stretch>
+            <a:fillRect/>
+          </a:stretch>
+        </p:blipFill>
+        <p:spPr bwMode="auto">
+          <a:xfrm>
+            <a:off x="6979339" y="3332840"/>
+            <a:ext cx="5212661" cy="3476804"/>
+          </a:xfrm>
+          <a:prstGeom prst="rect">
+            <a:avLst/>
+          </a:prstGeom>
+          <a:noFill/>
+          <a:extLst>
+            <a:ext uri="{909E8E84-426E-40DD-AFC4-6F175D3DCCD1}">
+              <a14:hiddenFill xmlns:a14="http://schemas.microsoft.com/office/drawing/2010/main">
+                <a:solidFill>
+                  <a:srgbClr val="FFFFFF"/>
+                </a:solidFill>
+              </a14:hiddenFill>
+            </a:ext>
+          </a:extLst>
+        </p:spPr>
+      </p:pic>
+      <p:sp>
+        <p:nvSpPr>
+          <p:cNvPr id="5" name="TextBox 4">
+            <a:extLst>
+              <a:ext uri="{FF2B5EF4-FFF2-40B4-BE49-F238E27FC236}">
+                <a16:creationId xmlns:a16="http://schemas.microsoft.com/office/drawing/2014/main" id="{B0FF8714-9543-D0C2-0BE4-0FF863C95F55}"/>
+              </a:ext>
+            </a:extLst>
+          </p:cNvPr>
+          <p:cNvSpPr txBox="1"/>
+          <p:nvPr/>
+        </p:nvSpPr>
+        <p:spPr>
+          <a:xfrm>
+            <a:off x="192024" y="1606733"/>
+            <a:ext cx="11612880" cy="7848302"/>
+          </a:xfrm>
+          <a:prstGeom prst="rect">
+            <a:avLst/>
+          </a:prstGeom>
+          <a:noFill/>
+        </p:spPr>
+        <p:txBody>
+          <a:bodyPr wrap="square" rtlCol="0">
+            <a:spAutoFit/>
+          </a:bodyPr>
+          <a:lstStyle/>
+          <a:p>
+            <a:pPr marL="285750" indent="-285750">
+              <a:buFont typeface="Arial" panose="020B0604020202020204" pitchFamily="34" charset="0"/>
+              <a:buChar char="•"/>
+            </a:pPr>
+            <a:r>
+              <a:rPr lang="en-CA" dirty="0"/>
+              <a:t>Transistors</a:t>
+            </a:r>
+            <a:br>
+              <a:rPr lang="en-CA" dirty="0"/>
+            </a:br>
+            <a:br>
+              <a:rPr lang="en-CA" dirty="0"/>
+            </a:br>
+            <a:br>
+              <a:rPr lang="en-CA" dirty="0"/>
+            </a:br>
+            <a:br>
+              <a:rPr lang="en-CA" dirty="0"/>
+            </a:br>
+            <a:br>
+              <a:rPr lang="en-CA" dirty="0"/>
+            </a:br>
+            <a:br>
+              <a:rPr lang="en-CA" dirty="0"/>
+            </a:br>
+            <a:endParaRPr lang="en-CA" dirty="0"/>
+          </a:p>
+          <a:p>
+            <a:pPr marL="285750" indent="-285750">
+              <a:buFont typeface="Arial" panose="020B0604020202020204" pitchFamily="34" charset="0"/>
+              <a:buChar char="•"/>
+            </a:pPr>
+            <a:r>
+              <a:rPr lang="en-CA" dirty="0"/>
+              <a:t>Diodes</a:t>
+            </a:r>
+            <a:br>
+              <a:rPr lang="en-CA" dirty="0"/>
+            </a:br>
+            <a:br>
+              <a:rPr lang="en-CA" dirty="0"/>
+            </a:br>
+            <a:br>
+              <a:rPr lang="en-CA" dirty="0"/>
+            </a:br>
+            <a:br>
+              <a:rPr lang="en-CA" dirty="0"/>
+            </a:br>
+            <a:br>
+              <a:rPr lang="en-CA" dirty="0"/>
+            </a:br>
+            <a:endParaRPr lang="en-CA" dirty="0"/>
+          </a:p>
+          <a:p>
+            <a:pPr marL="285750" indent="-285750">
+              <a:buFont typeface="Arial" panose="020B0604020202020204" pitchFamily="34" charset="0"/>
+              <a:buChar char="•"/>
+            </a:pPr>
+            <a:r>
+              <a:rPr lang="en-CA" dirty="0"/>
+              <a:t>Integrated circuits (small circuits)</a:t>
+            </a:r>
+            <a:br>
+              <a:rPr lang="en-CA" dirty="0"/>
+            </a:br>
+            <a:br>
+              <a:rPr lang="en-CA" dirty="0"/>
+            </a:br>
+            <a:br>
+              <a:rPr lang="en-CA" dirty="0"/>
+            </a:br>
+            <a:br>
+              <a:rPr lang="en-CA" dirty="0"/>
+            </a:br>
+            <a:br>
+              <a:rPr lang="en-CA" dirty="0"/>
+            </a:br>
+            <a:br>
+              <a:rPr lang="en-CA" dirty="0"/>
+            </a:br>
+            <a:br>
+              <a:rPr lang="en-CA" dirty="0"/>
+            </a:br>
+            <a:br>
+              <a:rPr lang="en-CA" dirty="0"/>
+            </a:br>
+            <a:br>
+              <a:rPr lang="en-CA" dirty="0"/>
+            </a:br>
+            <a:br>
+              <a:rPr lang="en-CA" dirty="0"/>
+            </a:br>
+            <a:br>
+              <a:rPr lang="en-CA" dirty="0"/>
+            </a:br>
+            <a:br>
+              <a:rPr lang="en-CA" dirty="0"/>
+            </a:br>
+            <a:br>
+              <a:rPr lang="en-CA" dirty="0"/>
+            </a:br>
+            <a:br>
+              <a:rPr lang="en-CA" dirty="0"/>
+            </a:br>
+            <a:endParaRPr lang="en-CA" dirty="0"/>
+          </a:p>
+        </p:txBody>
+      </p:sp>
+      <p:sp>
+        <p:nvSpPr>
+          <p:cNvPr id="6" name="TextBox 5">
+            <a:extLst>
+              <a:ext uri="{FF2B5EF4-FFF2-40B4-BE49-F238E27FC236}">
+                <a16:creationId xmlns:a16="http://schemas.microsoft.com/office/drawing/2014/main" id="{CB3E6E1D-693B-DCCB-2259-06E2160C7F43}"/>
+              </a:ext>
+            </a:extLst>
+          </p:cNvPr>
+          <p:cNvSpPr txBox="1"/>
+          <p:nvPr/>
+        </p:nvSpPr>
+        <p:spPr>
+          <a:xfrm>
+            <a:off x="7434072" y="2350780"/>
+            <a:ext cx="3870960" cy="923330"/>
+          </a:xfrm>
+          <a:prstGeom prst="rect">
+            <a:avLst/>
+          </a:prstGeom>
+          <a:noFill/>
+        </p:spPr>
+        <p:txBody>
+          <a:bodyPr wrap="square" rtlCol="0">
+            <a:spAutoFit/>
+          </a:bodyPr>
+          <a:lstStyle/>
+          <a:p>
+            <a:r>
+              <a:rPr lang="en-CA" i="1" dirty="0"/>
+              <a:t>Note.</a:t>
+            </a:r>
+            <a:r>
+              <a:rPr lang="en-CA" dirty="0"/>
+              <a:t> Image of transistors Sourced from </a:t>
+            </a:r>
+            <a:r>
+              <a:rPr lang="en-CA" dirty="0" err="1"/>
+              <a:t>oomlout</a:t>
+            </a:r>
+            <a:r>
+              <a:rPr lang="en-CA" dirty="0"/>
+              <a:t> (2009) </a:t>
+            </a:r>
+            <a:endParaRPr lang="en-CA" i="1" dirty="0"/>
+          </a:p>
+          <a:p>
+            <a:endParaRPr lang="en-CA" dirty="0"/>
+          </a:p>
+        </p:txBody>
+      </p:sp>
+    </p:spTree>
+    <p:extLst>
+      <p:ext uri="{BB962C8B-B14F-4D97-AF65-F5344CB8AC3E}">
+        <p14:creationId xmlns:p14="http://schemas.microsoft.com/office/powerpoint/2010/main" val="1273025742"/>
+      </p:ext>
+    </p:extLst>
+  </p:cSld>
+  <p:clrMapOvr>
+    <a:masterClrMapping/>
+  </p:clrMapOvr>
+</p:sld>
+</file>
+
+<file path=ppt/slides/slide5.xml><?xml version="1.0" encoding="utf-8"?>
+<p:sld xmlns:a="http://schemas.openxmlformats.org/drawingml/2006/main" xmlns:r="http://schemas.openxmlformats.org/officeDocument/2006/relationships" xmlns:p="http://schemas.openxmlformats.org/presentationml/2006/main">
+  <p:cSld>
+    <p:spTree>
+      <p:nvGrpSpPr>
+        <p:cNvPr id="1" name="">
+          <a:extLst>
+            <a:ext uri="{FF2B5EF4-FFF2-40B4-BE49-F238E27FC236}">
+              <a16:creationId xmlns:a16="http://schemas.microsoft.com/office/drawing/2014/main" id="{19AF35C6-DBED-1180-B33A-C7DC5F4C3A50}"/>
+            </a:ext>
+          </a:extLst>
+        </p:cNvPr>
+        <p:cNvGrpSpPr/>
+        <p:nvPr/>
+      </p:nvGrpSpPr>
+      <p:grpSpPr>
+        <a:xfrm>
+          <a:off x="0" y="0"/>
+          <a:ext cx="0" cy="0"/>
+          <a:chOff x="0" y="0"/>
+          <a:chExt cx="0" cy="0"/>
+        </a:xfrm>
+      </p:grpSpPr>
+      <p:sp>
+        <p:nvSpPr>
+          <p:cNvPr id="4" name="Title 3">
+            <a:extLst>
+              <a:ext uri="{FF2B5EF4-FFF2-40B4-BE49-F238E27FC236}">
+                <a16:creationId xmlns:a16="http://schemas.microsoft.com/office/drawing/2014/main" id="{1826347C-648A-F2F7-C7ED-0BECBB7DED80}"/>
+              </a:ext>
+            </a:extLst>
+          </p:cNvPr>
+          <p:cNvSpPr>
+            <a:spLocks noGrp="1"/>
+          </p:cNvSpPr>
+          <p:nvPr>
+            <p:ph type="title"/>
+          </p:nvPr>
+        </p:nvSpPr>
+        <p:spPr/>
+        <p:txBody>
+          <a:bodyPr>
+            <a:normAutofit/>
+          </a:bodyPr>
+          <a:lstStyle/>
+          <a:p>
+            <a:pPr algn="ctr"/>
+            <a:r>
+              <a:rPr lang="en-CA" sz="3200" dirty="0"/>
+              <a:t>But what exactly are they used for?</a:t>
+            </a:r>
+          </a:p>
+        </p:txBody>
+      </p:sp>
+      <mc:AlternateContent xmlns:mc="http://schemas.openxmlformats.org/markup-compatibility/2006" xmlns:p14="http://schemas.microsoft.com/office/powerpoint/2010/main">
+        <mc:Choice Requires="p14">
+          <p:contentPart p14:bwMode="auto" r:id="rId2">
+            <p14:nvContentPartPr>
+              <p14:cNvPr id="11" name="Ink 10">
+                <a:extLst>
+                  <a:ext uri="{FF2B5EF4-FFF2-40B4-BE49-F238E27FC236}">
+                    <a16:creationId xmlns:a16="http://schemas.microsoft.com/office/drawing/2014/main" id="{7D9E1C7B-152C-39FB-70A9-B4A1EB65B18F}"/>
                   </a:ext>
                 </a:extLst>
               </p14:cNvPr>
@@ -3425,8 +4825,8 @@
         </p:blipFill>
         <p:spPr bwMode="auto">
           <a:xfrm>
-            <a:off x="3770964" y="2601227"/>
-            <a:ext cx="4898189" cy="2755231"/>
+            <a:off x="8168811" y="2361772"/>
+            <a:ext cx="3794589" cy="2134456"/>
           </a:xfrm>
           <a:prstGeom prst="rect">
             <a:avLst/>
@@ -3443,10 +4843,932 @@
           </a:extLst>
         </p:spPr>
       </p:pic>
+      <p:sp>
+        <p:nvSpPr>
+          <p:cNvPr id="2" name="Title 3">
+            <a:extLst>
+              <a:ext uri="{FF2B5EF4-FFF2-40B4-BE49-F238E27FC236}">
+                <a16:creationId xmlns:a16="http://schemas.microsoft.com/office/drawing/2014/main" id="{F6895C28-89B4-E2A8-7E92-95C7EE8CFF1C}"/>
+              </a:ext>
+            </a:extLst>
+          </p:cNvPr>
+          <p:cNvSpPr txBox="1">
+            <a:spLocks/>
+          </p:cNvSpPr>
+          <p:nvPr/>
+        </p:nvSpPr>
+        <p:spPr>
+          <a:xfrm>
+            <a:off x="838200" y="1487059"/>
+            <a:ext cx="10180320" cy="4849733"/>
+          </a:xfrm>
+          <a:prstGeom prst="rect">
+            <a:avLst/>
+          </a:prstGeom>
+        </p:spPr>
+        <p:txBody>
+          <a:bodyPr vert="horz" lIns="91440" tIns="45720" rIns="91440" bIns="45720" rtlCol="0" anchor="ctr">
+            <a:normAutofit/>
+          </a:bodyPr>
+          <a:lstStyle>
+            <a:lvl1pPr algn="l" defTabSz="914400" rtl="0" eaLnBrk="1" latinLnBrk="0" hangingPunct="1">
+              <a:lnSpc>
+                <a:spcPct val="90000"/>
+              </a:lnSpc>
+              <a:spcBef>
+                <a:spcPct val="0"/>
+              </a:spcBef>
+              <a:buNone/>
+              <a:defRPr sz="4400" kern="1200">
+                <a:solidFill>
+                  <a:schemeClr val="tx1"/>
+                </a:solidFill>
+                <a:latin typeface="+mj-lt"/>
+                <a:ea typeface="+mj-ea"/>
+                <a:cs typeface="+mj-cs"/>
+              </a:defRPr>
+            </a:lvl1pPr>
+          </a:lstStyle>
+          <a:p>
+            <a:pPr marL="457200" indent="-457200">
+              <a:buFont typeface="Arial" panose="020B0604020202020204" pitchFamily="34" charset="0"/>
+              <a:buChar char="•"/>
+            </a:pPr>
+            <a:r>
+              <a:rPr lang="en-CA" sz="3200" dirty="0"/>
+              <a:t>Memory</a:t>
+            </a:r>
+            <a:br>
+              <a:rPr lang="en-CA" sz="3200" dirty="0"/>
+            </a:br>
+            <a:br>
+              <a:rPr lang="en-CA" sz="3200" dirty="0"/>
+            </a:br>
+            <a:endParaRPr lang="en-CA" sz="3200" dirty="0"/>
+          </a:p>
+          <a:p>
+            <a:pPr marL="457200" indent="-457200">
+              <a:buFont typeface="Arial" panose="020B0604020202020204" pitchFamily="34" charset="0"/>
+              <a:buChar char="•"/>
+            </a:pPr>
+            <a:r>
+              <a:rPr lang="en-CA" sz="3200" dirty="0"/>
+              <a:t>Microprocessors or (CPU)</a:t>
+            </a:r>
+            <a:br>
+              <a:rPr lang="en-CA" sz="3200" dirty="0"/>
+            </a:br>
+            <a:br>
+              <a:rPr lang="en-CA" sz="3200" dirty="0"/>
+            </a:br>
+            <a:endParaRPr lang="en-CA" sz="3200" dirty="0"/>
+          </a:p>
+          <a:p>
+            <a:pPr marL="457200" indent="-457200">
+              <a:buFont typeface="Arial" panose="020B0604020202020204" pitchFamily="34" charset="0"/>
+              <a:buChar char="•"/>
+            </a:pPr>
+            <a:r>
+              <a:rPr lang="en-CA" sz="3200" dirty="0"/>
+              <a:t>GPUS</a:t>
+            </a:r>
+          </a:p>
+          <a:p>
+            <a:pPr marL="457200" indent="-457200">
+              <a:buFont typeface="Arial" panose="020B0604020202020204" pitchFamily="34" charset="0"/>
+              <a:buChar char="•"/>
+            </a:pPr>
+            <a:endParaRPr lang="en-CA" sz="3200" dirty="0"/>
+          </a:p>
+          <a:p>
+            <a:pPr marL="457200" indent="-457200">
+              <a:buFont typeface="Arial" panose="020B0604020202020204" pitchFamily="34" charset="0"/>
+              <a:buChar char="•"/>
+            </a:pPr>
+            <a:endParaRPr lang="en-CA" sz="3200" dirty="0"/>
+          </a:p>
+          <a:p>
+            <a:pPr marL="457200" indent="-457200">
+              <a:buFont typeface="Arial" panose="020B0604020202020204" pitchFamily="34" charset="0"/>
+              <a:buChar char="•"/>
+            </a:pPr>
+            <a:r>
+              <a:rPr lang="en-CA" sz="3200"/>
+              <a:t>integrated </a:t>
+            </a:r>
+            <a:r>
+              <a:rPr lang="en-CA" sz="3200" dirty="0"/>
+              <a:t>Circuits (chips)</a:t>
+            </a:r>
+          </a:p>
+          <a:p>
+            <a:pPr marL="457200" indent="-457200">
+              <a:buFont typeface="Arial" panose="020B0604020202020204" pitchFamily="34" charset="0"/>
+              <a:buChar char="•"/>
+            </a:pPr>
+            <a:endParaRPr lang="en-CA" sz="3200" dirty="0"/>
+          </a:p>
+        </p:txBody>
+      </p:sp>
+      <p:sp>
+        <p:nvSpPr>
+          <p:cNvPr id="5" name="Title 3">
+            <a:extLst>
+              <a:ext uri="{FF2B5EF4-FFF2-40B4-BE49-F238E27FC236}">
+                <a16:creationId xmlns:a16="http://schemas.microsoft.com/office/drawing/2014/main" id="{9E6E6744-72F1-F307-4892-76AD94D23981}"/>
+              </a:ext>
+            </a:extLst>
+          </p:cNvPr>
+          <p:cNvSpPr txBox="1">
+            <a:spLocks/>
+          </p:cNvSpPr>
+          <p:nvPr/>
+        </p:nvSpPr>
+        <p:spPr>
+          <a:xfrm>
+            <a:off x="838200" y="1487059"/>
+            <a:ext cx="10180320" cy="1018397"/>
+          </a:xfrm>
+          <a:prstGeom prst="rect">
+            <a:avLst/>
+          </a:prstGeom>
+        </p:spPr>
+        <p:txBody>
+          <a:bodyPr vert="horz" lIns="91440" tIns="45720" rIns="91440" bIns="45720" rtlCol="0" anchor="ctr">
+            <a:normAutofit/>
+          </a:bodyPr>
+          <a:lstStyle>
+            <a:lvl1pPr algn="l" defTabSz="914400" rtl="0" eaLnBrk="1" latinLnBrk="0" hangingPunct="1">
+              <a:lnSpc>
+                <a:spcPct val="90000"/>
+              </a:lnSpc>
+              <a:spcBef>
+                <a:spcPct val="0"/>
+              </a:spcBef>
+              <a:buNone/>
+              <a:defRPr sz="4400" kern="1200">
+                <a:solidFill>
+                  <a:schemeClr val="tx1"/>
+                </a:solidFill>
+                <a:latin typeface="+mj-lt"/>
+                <a:ea typeface="+mj-ea"/>
+                <a:cs typeface="+mj-cs"/>
+              </a:defRPr>
+            </a:lvl1pPr>
+          </a:lstStyle>
+          <a:p>
+            <a:endParaRPr lang="en-CA" sz="3200" dirty="0"/>
+          </a:p>
+        </p:txBody>
+      </p:sp>
+      <p:sp>
+        <p:nvSpPr>
+          <p:cNvPr id="6" name="TextBox 5">
+            <a:extLst>
+              <a:ext uri="{FF2B5EF4-FFF2-40B4-BE49-F238E27FC236}">
+                <a16:creationId xmlns:a16="http://schemas.microsoft.com/office/drawing/2014/main" id="{7B88823B-4BAA-2E65-11DA-C765D4E8F0F6}"/>
+              </a:ext>
+            </a:extLst>
+          </p:cNvPr>
+          <p:cNvSpPr txBox="1"/>
+          <p:nvPr/>
+        </p:nvSpPr>
+        <p:spPr>
+          <a:xfrm>
+            <a:off x="8168811" y="1715441"/>
+            <a:ext cx="3279648" cy="646331"/>
+          </a:xfrm>
+          <a:prstGeom prst="rect">
+            <a:avLst/>
+          </a:prstGeom>
+          <a:noFill/>
+        </p:spPr>
+        <p:txBody>
+          <a:bodyPr wrap="square" rtlCol="0">
+            <a:spAutoFit/>
+          </a:bodyPr>
+          <a:lstStyle/>
+          <a:p>
+            <a:r>
+              <a:rPr lang="en-CA" i="1" dirty="0"/>
+              <a:t>Note.</a:t>
+            </a:r>
+            <a:r>
+              <a:rPr lang="en-CA" dirty="0"/>
+              <a:t> Image of CPU Sourced from intel (</a:t>
+            </a:r>
+            <a:r>
+              <a:rPr lang="en-CA" dirty="0" err="1"/>
+              <a:t>n.d</a:t>
+            </a:r>
+            <a:r>
+              <a:rPr lang="en-CA" dirty="0"/>
+              <a:t>) </a:t>
+            </a:r>
+            <a:endParaRPr lang="en-CA" i="1" dirty="0"/>
+          </a:p>
+        </p:txBody>
+      </p:sp>
     </p:spTree>
     <p:extLst>
       <p:ext uri="{BB962C8B-B14F-4D97-AF65-F5344CB8AC3E}">
-        <p14:creationId xmlns:p14="http://schemas.microsoft.com/office/powerpoint/2010/main" val="1038078820"/>
+        <p14:creationId xmlns:p14="http://schemas.microsoft.com/office/powerpoint/2010/main" val="3835564283"/>
+      </p:ext>
+    </p:extLst>
+  </p:cSld>
+  <p:clrMapOvr>
+    <a:masterClrMapping/>
+  </p:clrMapOvr>
+</p:sld>
+</file>
+
+<file path=ppt/slides/slide6.xml><?xml version="1.0" encoding="utf-8"?>
+<p:sld xmlns:a="http://schemas.openxmlformats.org/drawingml/2006/main" xmlns:r="http://schemas.openxmlformats.org/officeDocument/2006/relationships" xmlns:p="http://schemas.openxmlformats.org/presentationml/2006/main">
+  <p:cSld>
+    <p:spTree>
+      <p:nvGrpSpPr>
+        <p:cNvPr id="1" name="">
+          <a:extLst>
+            <a:ext uri="{FF2B5EF4-FFF2-40B4-BE49-F238E27FC236}">
+              <a16:creationId xmlns:a16="http://schemas.microsoft.com/office/drawing/2014/main" id="{6E45BCB4-69EB-6D8A-53CB-932C0829AAB7}"/>
+            </a:ext>
+          </a:extLst>
+        </p:cNvPr>
+        <p:cNvGrpSpPr/>
+        <p:nvPr/>
+      </p:nvGrpSpPr>
+      <p:grpSpPr>
+        <a:xfrm>
+          <a:off x="0" y="0"/>
+          <a:ext cx="0" cy="0"/>
+          <a:chOff x="0" y="0"/>
+          <a:chExt cx="0" cy="0"/>
+        </a:xfrm>
+      </p:grpSpPr>
+      <p:sp>
+        <p:nvSpPr>
+          <p:cNvPr id="4" name="Title 3">
+            <a:extLst>
+              <a:ext uri="{FF2B5EF4-FFF2-40B4-BE49-F238E27FC236}">
+                <a16:creationId xmlns:a16="http://schemas.microsoft.com/office/drawing/2014/main" id="{EA195C37-A306-0E48-24D1-1195075E1870}"/>
+              </a:ext>
+            </a:extLst>
+          </p:cNvPr>
+          <p:cNvSpPr>
+            <a:spLocks noGrp="1"/>
+          </p:cNvSpPr>
+          <p:nvPr>
+            <p:ph type="title"/>
+          </p:nvPr>
+        </p:nvSpPr>
+        <p:spPr>
+          <a:xfrm>
+            <a:off x="838200" y="437685"/>
+            <a:ext cx="10515600" cy="1325563"/>
+          </a:xfrm>
+        </p:spPr>
+        <p:txBody>
+          <a:bodyPr>
+            <a:normAutofit/>
+          </a:bodyPr>
+          <a:lstStyle/>
+          <a:p>
+            <a:pPr algn="ctr"/>
+            <a:r>
+              <a:rPr lang="en-CA" sz="3200" dirty="0"/>
+              <a:t>The Semiconductor Industry</a:t>
+            </a:r>
+          </a:p>
+        </p:txBody>
+      </p:sp>
+      <mc:AlternateContent xmlns:mc="http://schemas.openxmlformats.org/markup-compatibility/2006" xmlns:p14="http://schemas.microsoft.com/office/powerpoint/2010/main">
+        <mc:Choice Requires="p14">
+          <p:contentPart p14:bwMode="auto" r:id="rId2">
+            <p14:nvContentPartPr>
+              <p14:cNvPr id="11" name="Ink 10">
+                <a:extLst>
+                  <a:ext uri="{FF2B5EF4-FFF2-40B4-BE49-F238E27FC236}">
+                    <a16:creationId xmlns:a16="http://schemas.microsoft.com/office/drawing/2014/main" id="{D08EB728-25DD-2275-45C5-7D7003E54EF5}"/>
+                  </a:ext>
+                </a:extLst>
+              </p14:cNvPr>
+              <p14:cNvContentPartPr/>
+              <p14:nvPr/>
+            </p14:nvContentPartPr>
+            <p14:xfrm>
+              <a:off x="8537381" y="2261520"/>
+              <a:ext cx="360" cy="360"/>
+            </p14:xfrm>
+          </p:contentPart>
+        </mc:Choice>
+        <mc:Fallback xmlns="">
+          <p:pic>
+            <p:nvPicPr>
+              <p:cNvPr id="11" name="Ink 10">
+                <a:extLst>
+                  <a:ext uri="{FF2B5EF4-FFF2-40B4-BE49-F238E27FC236}">
+                    <a16:creationId xmlns:a16="http://schemas.microsoft.com/office/drawing/2014/main" id="{290F1C82-25F5-4BA3-BA49-6D9A116A221E}"/>
+                  </a:ext>
+                </a:extLst>
+              </p:cNvPr>
+              <p:cNvPicPr/>
+              <p:nvPr/>
+            </p:nvPicPr>
+            <p:blipFill>
+              <a:blip r:embed="rId3"/>
+              <a:stretch>
+                <a:fillRect/>
+              </a:stretch>
+            </p:blipFill>
+            <p:spPr>
+              <a:xfrm>
+                <a:off x="8531261" y="2255400"/>
+                <a:ext cx="12600" cy="12600"/>
+              </a:xfrm>
+              <a:prstGeom prst="rect">
+                <a:avLst/>
+              </a:prstGeom>
+            </p:spPr>
+          </p:pic>
+        </mc:Fallback>
+      </mc:AlternateContent>
+      <p:sp>
+        <p:nvSpPr>
+          <p:cNvPr id="2" name="Title 3">
+            <a:extLst>
+              <a:ext uri="{FF2B5EF4-FFF2-40B4-BE49-F238E27FC236}">
+                <a16:creationId xmlns:a16="http://schemas.microsoft.com/office/drawing/2014/main" id="{B6E64B36-1DE0-D251-C19A-6891156EC5A8}"/>
+              </a:ext>
+            </a:extLst>
+          </p:cNvPr>
+          <p:cNvSpPr txBox="1">
+            <a:spLocks/>
+          </p:cNvSpPr>
+          <p:nvPr/>
+        </p:nvSpPr>
+        <p:spPr>
+          <a:xfrm>
+            <a:off x="545592" y="1393073"/>
+            <a:ext cx="9906000" cy="1468999"/>
+          </a:xfrm>
+          <a:prstGeom prst="rect">
+            <a:avLst/>
+          </a:prstGeom>
+        </p:spPr>
+        <p:txBody>
+          <a:bodyPr vert="horz" lIns="91440" tIns="45720" rIns="91440" bIns="45720" rtlCol="0" anchor="ctr">
+            <a:normAutofit fontScale="62500" lnSpcReduction="20000"/>
+          </a:bodyPr>
+          <a:lstStyle>
+            <a:lvl1pPr algn="l" defTabSz="914400" rtl="0" eaLnBrk="1" latinLnBrk="0" hangingPunct="1">
+              <a:lnSpc>
+                <a:spcPct val="90000"/>
+              </a:lnSpc>
+              <a:spcBef>
+                <a:spcPct val="0"/>
+              </a:spcBef>
+              <a:buNone/>
+              <a:defRPr sz="4400" kern="1200">
+                <a:solidFill>
+                  <a:schemeClr val="tx1"/>
+                </a:solidFill>
+                <a:latin typeface="+mj-lt"/>
+                <a:ea typeface="+mj-ea"/>
+                <a:cs typeface="+mj-cs"/>
+              </a:defRPr>
+            </a:lvl1pPr>
+          </a:lstStyle>
+          <a:p>
+            <a:pPr marL="457200" indent="-457200">
+              <a:buFont typeface="Arial" panose="020B0604020202020204" pitchFamily="34" charset="0"/>
+              <a:buChar char="•"/>
+            </a:pPr>
+            <a:r>
+              <a:rPr lang="en-CA" sz="3200" dirty="0"/>
+              <a:t>TSMC (Largest semiconductor Manufacturer)</a:t>
+            </a:r>
+          </a:p>
+          <a:p>
+            <a:endParaRPr lang="en-CA" sz="3200" dirty="0"/>
+          </a:p>
+          <a:p>
+            <a:pPr marL="457200" indent="-457200">
+              <a:buFont typeface="Arial" panose="020B0604020202020204" pitchFamily="34" charset="0"/>
+              <a:buChar char="•"/>
+            </a:pPr>
+            <a:r>
+              <a:rPr lang="en-CA" sz="3200" dirty="0"/>
+              <a:t>CPU and GPU companies such as intel and Nivida</a:t>
+            </a:r>
+          </a:p>
+          <a:p>
+            <a:endParaRPr lang="en-CA" sz="3200" dirty="0"/>
+          </a:p>
+          <a:p>
+            <a:br>
+              <a:rPr lang="en-CA" sz="3200" dirty="0"/>
+            </a:br>
+            <a:endParaRPr lang="en-CA" sz="3200" dirty="0"/>
+          </a:p>
+        </p:txBody>
+      </p:sp>
+    </p:spTree>
+    <p:extLst>
+      <p:ext uri="{BB962C8B-B14F-4D97-AF65-F5344CB8AC3E}">
+        <p14:creationId xmlns:p14="http://schemas.microsoft.com/office/powerpoint/2010/main" val="3747023155"/>
+      </p:ext>
+    </p:extLst>
+  </p:cSld>
+  <p:clrMapOvr>
+    <a:masterClrMapping/>
+  </p:clrMapOvr>
+</p:sld>
+</file>
+
+<file path=ppt/slides/slide7.xml><?xml version="1.0" encoding="utf-8"?>
+<p:sld xmlns:a="http://schemas.openxmlformats.org/drawingml/2006/main" xmlns:r="http://schemas.openxmlformats.org/officeDocument/2006/relationships" xmlns:p="http://schemas.openxmlformats.org/presentationml/2006/main">
+  <p:cSld>
+    <p:spTree>
+      <p:nvGrpSpPr>
+        <p:cNvPr id="1" name=""/>
+        <p:cNvGrpSpPr/>
+        <p:nvPr/>
+      </p:nvGrpSpPr>
+      <p:grpSpPr>
+        <a:xfrm>
+          <a:off x="0" y="0"/>
+          <a:ext cx="0" cy="0"/>
+          <a:chOff x="0" y="0"/>
+          <a:chExt cx="0" cy="0"/>
+        </a:xfrm>
+      </p:grpSpPr>
+      <p:sp>
+        <p:nvSpPr>
+          <p:cNvPr id="2" name="Title 1">
+            <a:extLst>
+              <a:ext uri="{FF2B5EF4-FFF2-40B4-BE49-F238E27FC236}">
+                <a16:creationId xmlns:a16="http://schemas.microsoft.com/office/drawing/2014/main" id="{11DC523C-D6A7-4166-0C27-EB48BFC9F9B2}"/>
+              </a:ext>
+            </a:extLst>
+          </p:cNvPr>
+          <p:cNvSpPr>
+            <a:spLocks noGrp="1"/>
+          </p:cNvSpPr>
+          <p:nvPr>
+            <p:ph type="title"/>
+          </p:nvPr>
+        </p:nvSpPr>
+        <p:spPr>
+          <a:xfrm>
+            <a:off x="740410" y="1"/>
+            <a:ext cx="10515600" cy="1500188"/>
+          </a:xfrm>
+        </p:spPr>
+        <p:txBody>
+          <a:bodyPr/>
+          <a:lstStyle/>
+          <a:p>
+            <a:pPr algn="ctr"/>
+            <a:r>
+              <a:rPr lang="en-CA" dirty="0"/>
+              <a:t>Summary</a:t>
+            </a:r>
+          </a:p>
+        </p:txBody>
+      </p:sp>
+      <p:sp>
+        <p:nvSpPr>
+          <p:cNvPr id="3" name="Text Placeholder 2">
+            <a:extLst>
+              <a:ext uri="{FF2B5EF4-FFF2-40B4-BE49-F238E27FC236}">
+                <a16:creationId xmlns:a16="http://schemas.microsoft.com/office/drawing/2014/main" id="{370820B3-6031-6D04-81F9-A7C65B18FFF1}"/>
+              </a:ext>
+            </a:extLst>
+          </p:cNvPr>
+          <p:cNvSpPr>
+            <a:spLocks noGrp="1"/>
+          </p:cNvSpPr>
+          <p:nvPr>
+            <p:ph type="body" idx="1"/>
+          </p:nvPr>
+        </p:nvSpPr>
+        <p:spPr>
+          <a:xfrm>
+            <a:off x="831850" y="1755648"/>
+            <a:ext cx="10515600" cy="4773167"/>
+          </a:xfrm>
+        </p:spPr>
+        <p:txBody>
+          <a:bodyPr>
+            <a:normAutofit lnSpcReduction="10000"/>
+          </a:bodyPr>
+          <a:lstStyle/>
+          <a:p>
+            <a:pPr algn="ctr"/>
+            <a:r>
+              <a:rPr lang="en-CA" dirty="0"/>
+              <a:t>I went over…</a:t>
+            </a:r>
+          </a:p>
+          <a:p>
+            <a:pPr marL="342900" indent="-342900">
+              <a:buFont typeface="Arial" panose="020B0604020202020204" pitchFamily="34" charset="0"/>
+              <a:buChar char="•"/>
+            </a:pPr>
+            <a:r>
+              <a:rPr lang="en-CA" dirty="0"/>
+              <a:t>What semiconductors are</a:t>
+            </a:r>
+          </a:p>
+          <a:p>
+            <a:pPr marL="342900" indent="-342900">
+              <a:buFont typeface="Arial" panose="020B0604020202020204" pitchFamily="34" charset="0"/>
+              <a:buChar char="•"/>
+            </a:pPr>
+            <a:endParaRPr lang="en-CA" dirty="0"/>
+          </a:p>
+          <a:p>
+            <a:pPr marL="342900" indent="-342900">
+              <a:buFont typeface="Arial" panose="020B0604020202020204" pitchFamily="34" charset="0"/>
+              <a:buChar char="•"/>
+            </a:pPr>
+            <a:endParaRPr lang="en-CA" dirty="0"/>
+          </a:p>
+          <a:p>
+            <a:pPr marL="342900" indent="-342900">
+              <a:buFont typeface="Arial" panose="020B0604020202020204" pitchFamily="34" charset="0"/>
+              <a:buChar char="•"/>
+            </a:pPr>
+            <a:r>
+              <a:rPr lang="en-CA" dirty="0"/>
+              <a:t>Semiconductor chips</a:t>
+            </a:r>
+          </a:p>
+          <a:p>
+            <a:pPr marL="342900" indent="-342900">
+              <a:buFont typeface="Arial" panose="020B0604020202020204" pitchFamily="34" charset="0"/>
+              <a:buChar char="•"/>
+            </a:pPr>
+            <a:endParaRPr lang="en-CA" dirty="0"/>
+          </a:p>
+          <a:p>
+            <a:pPr marL="342900" indent="-342900">
+              <a:buFont typeface="Arial" panose="020B0604020202020204" pitchFamily="34" charset="0"/>
+              <a:buChar char="•"/>
+            </a:pPr>
+            <a:endParaRPr lang="en-CA" dirty="0"/>
+          </a:p>
+          <a:p>
+            <a:pPr marL="342900" indent="-342900">
+              <a:buFont typeface="Arial" panose="020B0604020202020204" pitchFamily="34" charset="0"/>
+              <a:buChar char="•"/>
+            </a:pPr>
+            <a:r>
+              <a:rPr lang="en-CA" dirty="0"/>
+              <a:t>What they are used in</a:t>
+            </a:r>
+          </a:p>
+          <a:p>
+            <a:pPr marL="342900" indent="-342900">
+              <a:buFont typeface="Arial" panose="020B0604020202020204" pitchFamily="34" charset="0"/>
+              <a:buChar char="•"/>
+            </a:pPr>
+            <a:endParaRPr lang="en-CA" dirty="0"/>
+          </a:p>
+          <a:p>
+            <a:pPr marL="342900" indent="-342900">
+              <a:buFont typeface="Arial" panose="020B0604020202020204" pitchFamily="34" charset="0"/>
+              <a:buChar char="•"/>
+            </a:pPr>
+            <a:endParaRPr lang="en-CA" dirty="0"/>
+          </a:p>
+          <a:p>
+            <a:pPr marL="342900" indent="-342900">
+              <a:buFont typeface="Arial" panose="020B0604020202020204" pitchFamily="34" charset="0"/>
+              <a:buChar char="•"/>
+            </a:pPr>
+            <a:r>
+              <a:rPr lang="en-CA" dirty="0"/>
+              <a:t>The semiconductor industry</a:t>
+            </a:r>
+          </a:p>
+        </p:txBody>
+      </p:sp>
+    </p:spTree>
+    <p:extLst>
+      <p:ext uri="{BB962C8B-B14F-4D97-AF65-F5344CB8AC3E}">
+        <p14:creationId xmlns:p14="http://schemas.microsoft.com/office/powerpoint/2010/main" val="35441112"/>
+      </p:ext>
+    </p:extLst>
+  </p:cSld>
+  <p:clrMapOvr>
+    <a:masterClrMapping/>
+  </p:clrMapOvr>
+</p:sld>
+</file>
+
+<file path=ppt/slides/slide8.xml><?xml version="1.0" encoding="utf-8"?>
+<p:sld xmlns:a="http://schemas.openxmlformats.org/drawingml/2006/main" xmlns:r="http://schemas.openxmlformats.org/officeDocument/2006/relationships" xmlns:p="http://schemas.openxmlformats.org/presentationml/2006/main">
+  <p:cSld>
+    <p:spTree>
+      <p:nvGrpSpPr>
+        <p:cNvPr id="1" name=""/>
+        <p:cNvGrpSpPr/>
+        <p:nvPr/>
+      </p:nvGrpSpPr>
+      <p:grpSpPr>
+        <a:xfrm>
+          <a:off x="0" y="0"/>
+          <a:ext cx="0" cy="0"/>
+          <a:chOff x="0" y="0"/>
+          <a:chExt cx="0" cy="0"/>
+        </a:xfrm>
+      </p:grpSpPr>
+      <p:sp>
+        <p:nvSpPr>
+          <p:cNvPr id="6" name="Title 5">
+            <a:extLst>
+              <a:ext uri="{FF2B5EF4-FFF2-40B4-BE49-F238E27FC236}">
+                <a16:creationId xmlns:a16="http://schemas.microsoft.com/office/drawing/2014/main" id="{12ABE307-CF70-8800-8FE9-3910BCD3356A}"/>
+              </a:ext>
+            </a:extLst>
+          </p:cNvPr>
+          <p:cNvSpPr>
+            <a:spLocks noGrp="1"/>
+          </p:cNvSpPr>
+          <p:nvPr>
+            <p:ph type="title"/>
+          </p:nvPr>
+        </p:nvSpPr>
+        <p:spPr>
+          <a:xfrm>
+            <a:off x="838200" y="2766218"/>
+            <a:ext cx="10515600" cy="1325563"/>
+          </a:xfrm>
+        </p:spPr>
+        <p:txBody>
+          <a:bodyPr/>
+          <a:lstStyle/>
+          <a:p>
+            <a:pPr algn="ctr"/>
+            <a:r>
+              <a:rPr lang="en-CA" dirty="0"/>
+              <a:t>That’s all!</a:t>
+            </a:r>
+          </a:p>
+        </p:txBody>
+      </p:sp>
+      <p:pic>
+        <p:nvPicPr>
+          <p:cNvPr id="10" name="Picture 9">
+            <a:extLst>
+              <a:ext uri="{FF2B5EF4-FFF2-40B4-BE49-F238E27FC236}">
+                <a16:creationId xmlns:a16="http://schemas.microsoft.com/office/drawing/2014/main" id="{C16429E3-C42B-8B4D-A0CF-CA08C5370411}"/>
+              </a:ext>
+            </a:extLst>
+          </p:cNvPr>
+          <p:cNvPicPr>
+            <a:picLocks noChangeAspect="1"/>
+          </p:cNvPicPr>
+          <p:nvPr/>
+        </p:nvPicPr>
+        <p:blipFill>
+          <a:blip r:embed="rId2"/>
+          <a:stretch>
+            <a:fillRect/>
+          </a:stretch>
+        </p:blipFill>
+        <p:spPr>
+          <a:xfrm>
+            <a:off x="8001000" y="0"/>
+            <a:ext cx="4191000" cy="6172200"/>
+          </a:xfrm>
+          <a:prstGeom prst="rect">
+            <a:avLst/>
+          </a:prstGeom>
+        </p:spPr>
+      </p:pic>
+      <p:sp>
+        <p:nvSpPr>
+          <p:cNvPr id="11" name="TextBox 10">
+            <a:extLst>
+              <a:ext uri="{FF2B5EF4-FFF2-40B4-BE49-F238E27FC236}">
+                <a16:creationId xmlns:a16="http://schemas.microsoft.com/office/drawing/2014/main" id="{779FE730-63A8-4059-3BDD-782D5846EB35}"/>
+              </a:ext>
+            </a:extLst>
+          </p:cNvPr>
+          <p:cNvSpPr txBox="1"/>
+          <p:nvPr/>
+        </p:nvSpPr>
+        <p:spPr>
+          <a:xfrm>
+            <a:off x="8240231" y="6172200"/>
+            <a:ext cx="3476847" cy="646331"/>
+          </a:xfrm>
+          <a:prstGeom prst="rect">
+            <a:avLst/>
+          </a:prstGeom>
+          <a:noFill/>
+        </p:spPr>
+        <p:txBody>
+          <a:bodyPr wrap="square" rtlCol="0">
+            <a:spAutoFit/>
+          </a:bodyPr>
+          <a:lstStyle/>
+          <a:p>
+            <a:r>
+              <a:rPr lang="en-CA" i="1" dirty="0"/>
+              <a:t>Note. Checklist Sourced from Simon Cui</a:t>
+            </a:r>
+          </a:p>
+        </p:txBody>
+      </p:sp>
+    </p:spTree>
+    <p:extLst>
+      <p:ext uri="{BB962C8B-B14F-4D97-AF65-F5344CB8AC3E}">
+        <p14:creationId xmlns:p14="http://schemas.microsoft.com/office/powerpoint/2010/main" val="3768590292"/>
+      </p:ext>
+    </p:extLst>
+  </p:cSld>
+  <p:clrMapOvr>
+    <a:masterClrMapping/>
+  </p:clrMapOvr>
+</p:sld>
+</file>
+
+<file path=ppt/slides/slide9.xml><?xml version="1.0" encoding="utf-8"?>
+<p:sld xmlns:a="http://schemas.openxmlformats.org/drawingml/2006/main" xmlns:r="http://schemas.openxmlformats.org/officeDocument/2006/relationships" xmlns:p="http://schemas.openxmlformats.org/presentationml/2006/main">
+  <p:cSld>
+    <p:spTree>
+      <p:nvGrpSpPr>
+        <p:cNvPr id="1" name="">
+          <a:extLst>
+            <a:ext uri="{FF2B5EF4-FFF2-40B4-BE49-F238E27FC236}">
+              <a16:creationId xmlns:a16="http://schemas.microsoft.com/office/drawing/2014/main" id="{1FEA9DD5-75D7-FB82-ECD3-D8A94C4476B8}"/>
+            </a:ext>
+          </a:extLst>
+        </p:cNvPr>
+        <p:cNvGrpSpPr/>
+        <p:nvPr/>
+      </p:nvGrpSpPr>
+      <p:grpSpPr>
+        <a:xfrm>
+          <a:off x="0" y="0"/>
+          <a:ext cx="0" cy="0"/>
+          <a:chOff x="0" y="0"/>
+          <a:chExt cx="0" cy="0"/>
+        </a:xfrm>
+      </p:grpSpPr>
+      <p:sp>
+        <p:nvSpPr>
+          <p:cNvPr id="4" name="Title 3">
+            <a:extLst>
+              <a:ext uri="{FF2B5EF4-FFF2-40B4-BE49-F238E27FC236}">
+                <a16:creationId xmlns:a16="http://schemas.microsoft.com/office/drawing/2014/main" id="{38A9B728-0E33-D238-FC71-C391D5270FB1}"/>
+              </a:ext>
+            </a:extLst>
+          </p:cNvPr>
+          <p:cNvSpPr>
+            <a:spLocks noGrp="1"/>
+          </p:cNvSpPr>
+          <p:nvPr>
+            <p:ph type="title"/>
+          </p:nvPr>
+        </p:nvSpPr>
+        <p:spPr/>
+        <p:txBody>
+          <a:bodyPr>
+            <a:normAutofit/>
+          </a:bodyPr>
+          <a:lstStyle/>
+          <a:p>
+            <a:pPr algn="ctr"/>
+            <a:r>
+              <a:rPr lang="en-CA" sz="3200" dirty="0"/>
+              <a:t>Image links (for now</a:t>
+            </a:r>
+          </a:p>
+        </p:txBody>
+      </p:sp>
+      <mc:AlternateContent xmlns:mc="http://schemas.openxmlformats.org/markup-compatibility/2006">
+        <mc:Choice xmlns:p14="http://schemas.microsoft.com/office/powerpoint/2010/main" Requires="p14">
+          <p:contentPart p14:bwMode="auto" r:id="rId2">
+            <p14:nvContentPartPr>
+              <p14:cNvPr id="11" name="Ink 10">
+                <a:extLst>
+                  <a:ext uri="{FF2B5EF4-FFF2-40B4-BE49-F238E27FC236}">
+                    <a16:creationId xmlns:a16="http://schemas.microsoft.com/office/drawing/2014/main" id="{91F71624-88A0-65DC-76EB-A43284B00607}"/>
+                  </a:ext>
+                </a:extLst>
+              </p14:cNvPr>
+              <p14:cNvContentPartPr/>
+              <p14:nvPr/>
+            </p14:nvContentPartPr>
+            <p14:xfrm>
+              <a:off x="8537381" y="2261520"/>
+              <a:ext cx="360" cy="360"/>
+            </p14:xfrm>
+          </p:contentPart>
+        </mc:Choice>
+        <mc:Fallback>
+          <p:pic>
+            <p:nvPicPr>
+              <p:cNvPr id="11" name="Ink 10">
+                <a:extLst>
+                  <a:ext uri="{FF2B5EF4-FFF2-40B4-BE49-F238E27FC236}">
+                    <a16:creationId xmlns:a16="http://schemas.microsoft.com/office/drawing/2014/main" id="{91F71624-88A0-65DC-76EB-A43284B00607}"/>
+                  </a:ext>
+                </a:extLst>
+              </p:cNvPr>
+              <p:cNvPicPr/>
+              <p:nvPr/>
+            </p:nvPicPr>
+            <p:blipFill>
+              <a:blip r:embed="rId3"/>
+              <a:stretch>
+                <a:fillRect/>
+              </a:stretch>
+            </p:blipFill>
+            <p:spPr>
+              <a:xfrm>
+                <a:off x="8531261" y="2255400"/>
+                <a:ext cx="12600" cy="12600"/>
+              </a:xfrm>
+              <a:prstGeom prst="rect">
+                <a:avLst/>
+              </a:prstGeom>
+            </p:spPr>
+          </p:pic>
+        </mc:Fallback>
+      </mc:AlternateContent>
+      <p:sp>
+        <p:nvSpPr>
+          <p:cNvPr id="5" name="TextBox 4">
+            <a:extLst>
+              <a:ext uri="{FF2B5EF4-FFF2-40B4-BE49-F238E27FC236}">
+                <a16:creationId xmlns:a16="http://schemas.microsoft.com/office/drawing/2014/main" id="{1578ACA3-DB88-C7B7-9F2D-C21D52798FA7}"/>
+              </a:ext>
+            </a:extLst>
+          </p:cNvPr>
+          <p:cNvSpPr txBox="1"/>
+          <p:nvPr/>
+        </p:nvSpPr>
+        <p:spPr>
+          <a:xfrm>
+            <a:off x="1085088" y="1367522"/>
+            <a:ext cx="10634472" cy="1107996"/>
+          </a:xfrm>
+          <a:prstGeom prst="rect">
+            <a:avLst/>
+          </a:prstGeom>
+          <a:noFill/>
+        </p:spPr>
+        <p:txBody>
+          <a:bodyPr wrap="square" rtlCol="0">
+            <a:spAutoFit/>
+          </a:bodyPr>
+          <a:lstStyle/>
+          <a:p>
+            <a:endParaRPr lang="en-CA" dirty="0"/>
+          </a:p>
+          <a:p>
+            <a:pPr marL="342900" indent="-342900">
+              <a:buFont typeface="Arial" panose="020B0604020202020204" pitchFamily="34" charset="0"/>
+              <a:buChar char="•"/>
+            </a:pPr>
+            <a:r>
+              <a:rPr lang="en-CA" sz="2400" dirty="0">
+                <a:hlinkClick r:id="rId4"/>
+              </a:rPr>
+              <a:t>https://www.flickr.com/photos/snazzyguy/3632897786</a:t>
+            </a:r>
+            <a:r>
+              <a:rPr lang="en-CA" sz="2400" dirty="0"/>
+              <a:t> (slide 4)</a:t>
+            </a:r>
+          </a:p>
+          <a:p>
+            <a:pPr marL="342900" indent="-342900">
+              <a:buFont typeface="Arial" panose="020B0604020202020204" pitchFamily="34" charset="0"/>
+              <a:buChar char="•"/>
+            </a:pPr>
+            <a:r>
+              <a:rPr lang="en-CA" sz="2400" dirty="0">
+                <a:hlinkClick r:id="rId5"/>
+              </a:rPr>
+              <a:t>https://www.trustedreviews.com/explainer/what-is-a-cpu-2950255</a:t>
+            </a:r>
+            <a:r>
+              <a:rPr lang="en-CA" sz="2400" dirty="0"/>
+              <a:t> (slide 5)</a:t>
+            </a:r>
+          </a:p>
+        </p:txBody>
+      </p:sp>
+    </p:spTree>
+    <p:extLst>
+      <p:ext uri="{BB962C8B-B14F-4D97-AF65-F5344CB8AC3E}">
+        <p14:creationId xmlns:p14="http://schemas.microsoft.com/office/powerpoint/2010/main" val="3154230984"/>
       </p:ext>
     </p:extLst>
   </p:cSld>
@@ -3772,6 +6094,21 @@
 </file>
 
 <file path=customXml/item1.xml><?xml version="1.0" encoding="utf-8"?>
+<?mso-contentType ?>
+<FormTemplates xmlns="http://schemas.microsoft.com/sharepoint/v3/contenttype/forms">
+  <Display>DocumentLibraryForm</Display>
+  <Edit>DocumentLibraryForm</Edit>
+  <New>DocumentLibraryForm</New>
+</FormTemplates>
+</file>
+
+<file path=customXml/item2.xml><?xml version="1.0" encoding="utf-8"?>
+<p:properties xmlns:p="http://schemas.microsoft.com/office/2006/metadata/properties" xmlns:xsi="http://www.w3.org/2001/XMLSchema-instance" xmlns:pc="http://schemas.microsoft.com/office/infopath/2007/PartnerControls">
+  <documentManagement/>
+</p:properties>
+</file>
+
+<file path=customXml/item3.xml><?xml version="1.0" encoding="utf-8"?>
 <ct:contentTypeSchema xmlns:ct="http://schemas.microsoft.com/office/2006/metadata/contentType" xmlns:ma="http://schemas.microsoft.com/office/2006/metadata/properties/metaAttributes" ct:_="" ma:_="" ma:contentTypeName="Document" ma:contentTypeID="0x01010085F8BE6E4EBA5B4AAB314C5730086A47" ma:contentTypeVersion="5" ma:contentTypeDescription="Create a new document." ma:contentTypeScope="" ma:versionID="d1482ff10594b38e2f6bdc6a94beab22">
   <xsd:schema xmlns:xsd="http://www.w3.org/2001/XMLSchema" xmlns:xs="http://www.w3.org/2001/XMLSchema" xmlns:p="http://schemas.microsoft.com/office/2006/metadata/properties" xmlns:ns3="d51bc98a-0597-46c0-b004-0f1ba9c4912e" targetNamespace="http://schemas.microsoft.com/office/2006/metadata/properties" ma:root="true" ma:fieldsID="e94c667bce10f924c53e10bdd826bf30" ns3:_="">
     <xsd:import namespace="d51bc98a-0597-46c0-b004-0f1ba9c4912e"/>
@@ -3921,35 +6258,10 @@
 </ct:contentTypeSchema>
 </file>
 
-<file path=customXml/item2.xml><?xml version="1.0" encoding="utf-8"?>
-<p:properties xmlns:p="http://schemas.microsoft.com/office/2006/metadata/properties" xmlns:xsi="http://www.w3.org/2001/XMLSchema-instance" xmlns:pc="http://schemas.microsoft.com/office/infopath/2007/PartnerControls">
-  <documentManagement/>
-</p:properties>
-</file>
-
-<file path=customXml/item3.xml><?xml version="1.0" encoding="utf-8"?>
-<?mso-contentType ?>
-<FormTemplates xmlns="http://schemas.microsoft.com/sharepoint/v3/contenttype/forms">
-  <Display>DocumentLibraryForm</Display>
-  <Edit>DocumentLibraryForm</Edit>
-  <New>DocumentLibraryForm</New>
-</FormTemplates>
-</file>
-
 <file path=customXml/itemProps1.xml><?xml version="1.0" encoding="utf-8"?>
-<ds:datastoreItem xmlns:ds="http://schemas.openxmlformats.org/officeDocument/2006/customXml" ds:itemID="{5BEBA117-2EA1-46DE-8DB2-044371DB9ECB}">
+<ds:datastoreItem xmlns:ds="http://schemas.openxmlformats.org/officeDocument/2006/customXml" ds:itemID="{95A108BE-69D7-4120-B6D2-AA507BA05252}">
   <ds:schemaRefs>
-    <ds:schemaRef ds:uri="http://schemas.microsoft.com/office/2006/metadata/contentType"/>
-    <ds:schemaRef ds:uri="http://schemas.microsoft.com/office/2006/metadata/properties/metaAttributes"/>
-    <ds:schemaRef ds:uri="http://www.w3.org/2001/XMLSchema"/>
-    <ds:schemaRef ds:uri="http://schemas.microsoft.com/office/2006/metadata/properties"/>
-    <ds:schemaRef ds:uri="d51bc98a-0597-46c0-b004-0f1ba9c4912e"/>
-    <ds:schemaRef ds:uri="http://schemas.microsoft.com/office/2006/documentManagement/types"/>
-    <ds:schemaRef ds:uri="http://schemas.microsoft.com/office/infopath/2007/PartnerControls"/>
-    <ds:schemaRef ds:uri="http://schemas.openxmlformats.org/package/2006/metadata/core-properties"/>
-    <ds:schemaRef ds:uri="http://purl.org/dc/elements/1.1/"/>
-    <ds:schemaRef ds:uri="http://purl.org/dc/terms/"/>
-    <ds:schemaRef ds:uri="http://schemas.microsoft.com/internal/obd"/>
+    <ds:schemaRef ds:uri="http://schemas.microsoft.com/sharepoint/v3/contenttype/forms"/>
   </ds:schemaRefs>
 </ds:datastoreItem>
 </file>
@@ -3971,9 +6283,19 @@
 </file>
 
 <file path=customXml/itemProps3.xml><?xml version="1.0" encoding="utf-8"?>
-<ds:datastoreItem xmlns:ds="http://schemas.openxmlformats.org/officeDocument/2006/customXml" ds:itemID="{95A108BE-69D7-4120-B6D2-AA507BA05252}">
+<ds:datastoreItem xmlns:ds="http://schemas.openxmlformats.org/officeDocument/2006/customXml" ds:itemID="{5BEBA117-2EA1-46DE-8DB2-044371DB9ECB}">
   <ds:schemaRefs>
-    <ds:schemaRef ds:uri="http://schemas.microsoft.com/sharepoint/v3/contenttype/forms"/>
+    <ds:schemaRef ds:uri="http://schemas.microsoft.com/office/2006/metadata/contentType"/>
+    <ds:schemaRef ds:uri="http://schemas.microsoft.com/office/2006/metadata/properties/metaAttributes"/>
+    <ds:schemaRef ds:uri="http://www.w3.org/2001/XMLSchema"/>
+    <ds:schemaRef ds:uri="http://schemas.microsoft.com/office/2006/metadata/properties"/>
+    <ds:schemaRef ds:uri="d51bc98a-0597-46c0-b004-0f1ba9c4912e"/>
+    <ds:schemaRef ds:uri="http://schemas.microsoft.com/office/2006/documentManagement/types"/>
+    <ds:schemaRef ds:uri="http://schemas.microsoft.com/office/infopath/2007/PartnerControls"/>
+    <ds:schemaRef ds:uri="http://schemas.openxmlformats.org/package/2006/metadata/core-properties"/>
+    <ds:schemaRef ds:uri="http://purl.org/dc/elements/1.1/"/>
+    <ds:schemaRef ds:uri="http://purl.org/dc/terms/"/>
+    <ds:schemaRef ds:uri="http://schemas.microsoft.com/internal/obd"/>
   </ds:schemaRefs>
 </ds:datastoreItem>
 </file>
--- a/Semiconductors.pptx
+++ b/Semiconductors.pptx
@@ -449,7 +449,7 @@
           <a:p>
             <a:fld id="{3CADBD16-5BFB-4D9F-9646-C75D1B53BBB6}" type="datetimeFigureOut">
               <a:rPr lang="en-US" smtClean="0"/>
-              <a:t>12/12/2024</a:t>
+              <a:t>12/13/2024</a:t>
             </a:fld>
             <a:endParaRPr lang="en-US"/>
           </a:p>
@@ -619,7 +619,7 @@
           <a:p>
             <a:fld id="{3CADBD16-5BFB-4D9F-9646-C75D1B53BBB6}" type="datetimeFigureOut">
               <a:rPr lang="en-US" smtClean="0"/>
-              <a:t>12/12/2024</a:t>
+              <a:t>12/13/2024</a:t>
             </a:fld>
             <a:endParaRPr lang="en-US"/>
           </a:p>
@@ -799,7 +799,7 @@
           <a:p>
             <a:fld id="{3CADBD16-5BFB-4D9F-9646-C75D1B53BBB6}" type="datetimeFigureOut">
               <a:rPr lang="en-US" smtClean="0"/>
-              <a:t>12/12/2024</a:t>
+              <a:t>12/13/2024</a:t>
             </a:fld>
             <a:endParaRPr lang="en-US"/>
           </a:p>
@@ -969,7 +969,7 @@
           <a:p>
             <a:fld id="{3CADBD16-5BFB-4D9F-9646-C75D1B53BBB6}" type="datetimeFigureOut">
               <a:rPr lang="en-US" smtClean="0"/>
-              <a:t>12/12/2024</a:t>
+              <a:t>12/13/2024</a:t>
             </a:fld>
             <a:endParaRPr lang="en-US"/>
           </a:p>
@@ -1215,7 +1215,7 @@
           <a:p>
             <a:fld id="{3CADBD16-5BFB-4D9F-9646-C75D1B53BBB6}" type="datetimeFigureOut">
               <a:rPr lang="en-US" smtClean="0"/>
-              <a:t>12/12/2024</a:t>
+              <a:t>12/13/2024</a:t>
             </a:fld>
             <a:endParaRPr lang="en-US"/>
           </a:p>
@@ -1447,7 +1447,7 @@
           <a:p>
             <a:fld id="{3CADBD16-5BFB-4D9F-9646-C75D1B53BBB6}" type="datetimeFigureOut">
               <a:rPr lang="en-US" smtClean="0"/>
-              <a:t>12/12/2024</a:t>
+              <a:t>12/13/2024</a:t>
             </a:fld>
             <a:endParaRPr lang="en-US"/>
           </a:p>
@@ -1814,7 +1814,7 @@
           <a:p>
             <a:fld id="{3CADBD16-5BFB-4D9F-9646-C75D1B53BBB6}" type="datetimeFigureOut">
               <a:rPr lang="en-US" smtClean="0"/>
-              <a:t>12/12/2024</a:t>
+              <a:t>12/13/2024</a:t>
             </a:fld>
             <a:endParaRPr lang="en-US"/>
           </a:p>
@@ -1932,7 +1932,7 @@
           <a:p>
             <a:fld id="{3CADBD16-5BFB-4D9F-9646-C75D1B53BBB6}" type="datetimeFigureOut">
               <a:rPr lang="en-US" smtClean="0"/>
-              <a:t>12/12/2024</a:t>
+              <a:t>12/13/2024</a:t>
             </a:fld>
             <a:endParaRPr lang="en-US"/>
           </a:p>
@@ -2027,7 +2027,7 @@
           <a:p>
             <a:fld id="{3CADBD16-5BFB-4D9F-9646-C75D1B53BBB6}" type="datetimeFigureOut">
               <a:rPr lang="en-US" smtClean="0"/>
-              <a:t>12/12/2024</a:t>
+              <a:t>12/13/2024</a:t>
             </a:fld>
             <a:endParaRPr lang="en-US"/>
           </a:p>
@@ -2304,7 +2304,7 @@
           <a:p>
             <a:fld id="{3CADBD16-5BFB-4D9F-9646-C75D1B53BBB6}" type="datetimeFigureOut">
               <a:rPr lang="en-US" smtClean="0"/>
-              <a:t>12/12/2024</a:t>
+              <a:t>12/13/2024</a:t>
             </a:fld>
             <a:endParaRPr lang="en-US"/>
           </a:p>
@@ -2561,7 +2561,7 @@
           <a:p>
             <a:fld id="{3CADBD16-5BFB-4D9F-9646-C75D1B53BBB6}" type="datetimeFigureOut">
               <a:rPr lang="en-US" smtClean="0"/>
-              <a:t>12/12/2024</a:t>
+              <a:t>12/13/2024</a:t>
             </a:fld>
             <a:endParaRPr lang="en-US"/>
           </a:p>
@@ -2775,7 +2775,7 @@
             <a:fld id="{3CADBD16-5BFB-4D9F-9646-C75D1B53BBB6}" type="datetimeFigureOut">
               <a:rPr lang="en-US" smtClean="0"/>
               <a:pPr/>
-              <a:t>12/12/2024</a:t>
+              <a:t>12/13/2024</a:t>
             </a:fld>
             <a:endParaRPr lang="en-US" dirty="0"/>
           </a:p>
@@ -3526,8 +3526,8 @@
           </a:p>
         </p:txBody>
       </p:sp>
-      <mc:AlternateContent xmlns:mc="http://schemas.openxmlformats.org/markup-compatibility/2006">
-        <mc:Choice xmlns:p14="http://schemas.microsoft.com/office/powerpoint/2010/main" Requires="p14">
+      <mc:AlternateContent xmlns:mc="http://schemas.openxmlformats.org/markup-compatibility/2006" xmlns:p14="http://schemas.microsoft.com/office/powerpoint/2010/main">
+        <mc:Choice Requires="p14">
           <p:contentPart p14:bwMode="auto" r:id="rId2">
             <p14:nvContentPartPr>
               <p14:cNvPr id="11" name="Ink 10">
@@ -3546,7 +3546,7 @@
             </p14:xfrm>
           </p:contentPart>
         </mc:Choice>
-        <mc:Fallback>
+        <mc:Fallback xmlns="">
           <p:pic>
             <p:nvPicPr>
               <p:cNvPr id="11" name="Ink 10">
@@ -3592,7 +3592,7 @@
         <p:spPr>
           <a:xfrm>
             <a:off x="1033272" y="1243584"/>
-            <a:ext cx="10744200" cy="5078313"/>
+            <a:ext cx="10744200" cy="5355312"/>
           </a:xfrm>
           <a:prstGeom prst="rect">
             <a:avLst/>
@@ -3698,19 +3698,7 @@
               <a:rPr lang="en-CA" dirty="0">
                 <a:hlinkClick r:id="rId7"/>
               </a:rPr>
-              <a:t>https://www.britannica.com/techno</a:t>
-            </a:r>
-            <a:r>
-              <a:rPr lang="en-CA" dirty="0">
-                <a:hlinkClick r:id="rId7"/>
-              </a:rPr>
-              <a:t>log</a:t>
-            </a:r>
-            <a:r>
-              <a:rPr lang="en-CA" dirty="0">
-                <a:hlinkClick r:id="rId7"/>
-              </a:rPr>
-              <a:t>y/diode</a:t>
+              <a:t>https://www.britannica.com/technology/diode</a:t>
             </a:r>
             <a:r>
               <a:rPr lang="en-CA" dirty="0"/>
@@ -3795,6 +3783,16 @@
             <a:r>
               <a:rPr lang="en-CA" dirty="0"/>
               <a:t> </a:t>
+            </a:r>
+          </a:p>
+          <a:p>
+            <a:pPr marL="285750" indent="-285750">
+              <a:buFont typeface="Arial" panose="020B0604020202020204" pitchFamily="34" charset="0"/>
+              <a:buChar char="•"/>
+            </a:pPr>
+            <a:r>
+              <a:rPr lang="en-CA" dirty="0"/>
+              <a:t>Deloitte. (2019, April. Semiconductors – the Next Wave</a:t>
             </a:r>
           </a:p>
           <a:p>
@@ -3960,7 +3958,7 @@
         <p:spPr>
           <a:xfrm>
             <a:off x="1085088" y="1367522"/>
-            <a:ext cx="10634472" cy="2215991"/>
+            <a:ext cx="10634472" cy="8863965"/>
           </a:xfrm>
           <a:prstGeom prst="rect">
             <a:avLst/>
@@ -3990,6 +3988,27 @@
               <a:buFont typeface="Arial" panose="020B0604020202020204" pitchFamily="34" charset="0"/>
               <a:buChar char="•"/>
             </a:pPr>
+            <a:endParaRPr lang="en-CA" sz="2400" dirty="0"/>
+          </a:p>
+          <a:p>
+            <a:pPr marL="342900" indent="-342900">
+              <a:buFont typeface="Arial" panose="020B0604020202020204" pitchFamily="34" charset="0"/>
+              <a:buChar char="•"/>
+            </a:pPr>
+            <a:endParaRPr lang="en-CA" sz="2400" dirty="0"/>
+          </a:p>
+          <a:p>
+            <a:pPr marL="342900" indent="-342900">
+              <a:buFont typeface="Arial" panose="020B0604020202020204" pitchFamily="34" charset="0"/>
+              <a:buChar char="•"/>
+            </a:pPr>
+            <a:endParaRPr lang="en-CA" sz="2400" dirty="0"/>
+          </a:p>
+          <a:p>
+            <a:pPr marL="342900" indent="-342900">
+              <a:buFont typeface="Arial" panose="020B0604020202020204" pitchFamily="34" charset="0"/>
+              <a:buChar char="•"/>
+            </a:pPr>
             <a:r>
               <a:rPr lang="en-CA" sz="2400" dirty="0"/>
               <a:t>What are the components in semiconductors?</a:t>
@@ -4000,20 +4019,122 @@
               <a:buFont typeface="Arial" panose="020B0604020202020204" pitchFamily="34" charset="0"/>
               <a:buChar char="•"/>
             </a:pPr>
+            <a:endParaRPr lang="en-CA" sz="2400" dirty="0"/>
+          </a:p>
+          <a:p>
+            <a:pPr marL="342900" indent="-342900">
+              <a:buFont typeface="Arial" panose="020B0604020202020204" pitchFamily="34" charset="0"/>
+              <a:buChar char="•"/>
+            </a:pPr>
+            <a:endParaRPr lang="en-CA" sz="2400" dirty="0"/>
+          </a:p>
+          <a:p>
+            <a:pPr marL="342900" indent="-342900">
+              <a:buFont typeface="Arial" panose="020B0604020202020204" pitchFamily="34" charset="0"/>
+              <a:buChar char="•"/>
+            </a:pPr>
+            <a:endParaRPr lang="en-CA" sz="2400" dirty="0"/>
+          </a:p>
+          <a:p>
+            <a:pPr marL="342900" indent="-342900">
+              <a:buFont typeface="Arial" panose="020B0604020202020204" pitchFamily="34" charset="0"/>
+              <a:buChar char="•"/>
+            </a:pPr>
             <a:r>
               <a:rPr lang="en-CA" sz="2400" dirty="0"/>
-              <a:t>The many different uses of the semiconductor</a:t>
-            </a:r>
+              <a:t>The many different devices which semiconductors are </a:t>
+            </a:r>
+            <a:r>
+              <a:rPr lang="en-CA" sz="2400"/>
+              <a:t>massively involved in</a:t>
+            </a:r>
+            <a:br>
+              <a:rPr lang="en-CA" sz="2400"/>
+            </a:br>
+            <a:br>
+              <a:rPr lang="en-CA" sz="2400"/>
+            </a:br>
+            <a:endParaRPr lang="en-CA" sz="2400" dirty="0"/>
           </a:p>
           <a:p>
             <a:pPr marL="342900" indent="-342900">
               <a:buFont typeface="Arial" panose="020B0604020202020204" pitchFamily="34" charset="0"/>
               <a:buChar char="•"/>
             </a:pPr>
+            <a:endParaRPr lang="en-CA" sz="2400" dirty="0"/>
+          </a:p>
+          <a:p>
+            <a:pPr marL="342900" indent="-342900">
+              <a:buFont typeface="Arial" panose="020B0604020202020204" pitchFamily="34" charset="0"/>
+              <a:buChar char="•"/>
+            </a:pPr>
             <a:r>
               <a:rPr lang="en-CA" sz="2400" dirty="0"/>
-              <a:t>The Semiconductor chip industry</a:t>
-            </a:r>
+              <a:t>The Semiconductor chip industry and how it can affect the world</a:t>
+            </a:r>
+          </a:p>
+          <a:p>
+            <a:pPr marL="342900" indent="-342900">
+              <a:buFont typeface="Arial" panose="020B0604020202020204" pitchFamily="34" charset="0"/>
+              <a:buChar char="•"/>
+            </a:pPr>
+            <a:endParaRPr lang="en-CA" sz="2400" dirty="0"/>
+          </a:p>
+          <a:p>
+            <a:pPr marL="342900" indent="-342900">
+              <a:buFont typeface="Arial" panose="020B0604020202020204" pitchFamily="34" charset="0"/>
+              <a:buChar char="•"/>
+            </a:pPr>
+            <a:endParaRPr lang="en-CA" sz="2400" dirty="0"/>
+          </a:p>
+          <a:p>
+            <a:pPr marL="342900" indent="-342900">
+              <a:buFont typeface="Arial" panose="020B0604020202020204" pitchFamily="34" charset="0"/>
+              <a:buChar char="•"/>
+            </a:pPr>
+            <a:endParaRPr lang="en-CA" sz="2400" dirty="0"/>
+          </a:p>
+          <a:p>
+            <a:pPr marL="342900" indent="-342900">
+              <a:buFont typeface="Arial" panose="020B0604020202020204" pitchFamily="34" charset="0"/>
+              <a:buChar char="•"/>
+            </a:pPr>
+            <a:endParaRPr lang="en-CA" sz="2400" dirty="0"/>
+          </a:p>
+          <a:p>
+            <a:pPr marL="342900" indent="-342900">
+              <a:buFont typeface="Arial" panose="020B0604020202020204" pitchFamily="34" charset="0"/>
+              <a:buChar char="•"/>
+            </a:pPr>
+            <a:endParaRPr lang="en-CA" sz="2400" dirty="0"/>
+          </a:p>
+          <a:p>
+            <a:pPr marL="342900" indent="-342900">
+              <a:buFont typeface="Arial" panose="020B0604020202020204" pitchFamily="34" charset="0"/>
+              <a:buChar char="•"/>
+            </a:pPr>
+            <a:endParaRPr lang="en-CA" sz="2400" dirty="0"/>
+          </a:p>
+          <a:p>
+            <a:pPr marL="342900" indent="-342900">
+              <a:buFont typeface="Arial" panose="020B0604020202020204" pitchFamily="34" charset="0"/>
+              <a:buChar char="•"/>
+            </a:pPr>
+            <a:endParaRPr lang="en-CA" sz="2400" dirty="0"/>
+          </a:p>
+          <a:p>
+            <a:pPr marL="342900" indent="-342900">
+              <a:buFont typeface="Arial" panose="020B0604020202020204" pitchFamily="34" charset="0"/>
+              <a:buChar char="•"/>
+            </a:pPr>
+            <a:endParaRPr lang="en-CA" sz="2400" dirty="0"/>
+          </a:p>
+          <a:p>
+            <a:pPr marL="342900" indent="-342900">
+              <a:buFont typeface="Arial" panose="020B0604020202020204" pitchFamily="34" charset="0"/>
+              <a:buChar char="•"/>
+            </a:pPr>
+            <a:endParaRPr lang="en-CA" sz="2400" dirty="0"/>
           </a:p>
           <a:p>
             <a:pPr marL="342900" indent="-342900">
@@ -4196,7 +4317,7 @@
         <p:spPr>
           <a:xfrm>
             <a:off x="631296" y="1305289"/>
-            <a:ext cx="11210184" cy="2585323"/>
+            <a:ext cx="11210184" cy="8679299"/>
           </a:xfrm>
           <a:prstGeom prst="rect">
             <a:avLst/>
@@ -4217,6 +4338,151 @@
               <a:rPr lang="en-CA" dirty="0"/>
               <a:t>They are considered a mix between an inductor and conductor</a:t>
             </a:r>
+          </a:p>
+          <a:p>
+            <a:pPr marL="285750" indent="-285750">
+              <a:buFont typeface="Arial" panose="020B0604020202020204" pitchFamily="34" charset="0"/>
+              <a:buChar char="•"/>
+            </a:pPr>
+            <a:endParaRPr lang="en-CA" dirty="0"/>
+          </a:p>
+          <a:p>
+            <a:pPr marL="285750" indent="-285750">
+              <a:buFont typeface="Arial" panose="020B0604020202020204" pitchFamily="34" charset="0"/>
+              <a:buChar char="•"/>
+            </a:pPr>
+            <a:endParaRPr lang="en-CA" dirty="0"/>
+          </a:p>
+          <a:p>
+            <a:pPr marL="285750" indent="-285750">
+              <a:buFont typeface="Arial" panose="020B0604020202020204" pitchFamily="34" charset="0"/>
+              <a:buChar char="•"/>
+            </a:pPr>
+            <a:endParaRPr lang="en-CA" dirty="0"/>
+          </a:p>
+          <a:p>
+            <a:pPr marL="285750" indent="-285750">
+              <a:buFont typeface="Arial" panose="020B0604020202020204" pitchFamily="34" charset="0"/>
+              <a:buChar char="•"/>
+            </a:pPr>
+            <a:endParaRPr lang="en-CA" dirty="0"/>
+          </a:p>
+          <a:p>
+            <a:pPr marL="285750" indent="-285750">
+              <a:buFont typeface="Arial" panose="020B0604020202020204" pitchFamily="34" charset="0"/>
+              <a:buChar char="•"/>
+            </a:pPr>
+            <a:endParaRPr lang="en-CA" dirty="0"/>
+          </a:p>
+          <a:p>
+            <a:pPr marL="285750" indent="-285750">
+              <a:buFont typeface="Arial" panose="020B0604020202020204" pitchFamily="34" charset="0"/>
+              <a:buChar char="•"/>
+            </a:pPr>
+            <a:r>
+              <a:rPr lang="en-CA" dirty="0"/>
+              <a:t>Their conduciveness is highly dependent on temperature</a:t>
+            </a:r>
+          </a:p>
+          <a:p>
+            <a:pPr marL="285750" indent="-285750">
+              <a:buFont typeface="Arial" panose="020B0604020202020204" pitchFamily="34" charset="0"/>
+              <a:buChar char="•"/>
+            </a:pPr>
+            <a:endParaRPr lang="en-CA" dirty="0"/>
+          </a:p>
+          <a:p>
+            <a:pPr marL="285750" indent="-285750">
+              <a:buFont typeface="Arial" panose="020B0604020202020204" pitchFamily="34" charset="0"/>
+              <a:buChar char="•"/>
+            </a:pPr>
+            <a:endParaRPr lang="en-CA" dirty="0"/>
+          </a:p>
+          <a:p>
+            <a:pPr marL="285750" indent="-285750">
+              <a:buFont typeface="Arial" panose="020B0604020202020204" pitchFamily="34" charset="0"/>
+              <a:buChar char="•"/>
+            </a:pPr>
+            <a:endParaRPr lang="en-CA" dirty="0"/>
+          </a:p>
+          <a:p>
+            <a:pPr marL="285750" indent="-285750">
+              <a:buFont typeface="Arial" panose="020B0604020202020204" pitchFamily="34" charset="0"/>
+              <a:buChar char="•"/>
+            </a:pPr>
+            <a:endParaRPr lang="en-CA" dirty="0"/>
+          </a:p>
+          <a:p>
+            <a:pPr marL="285750" indent="-285750">
+              <a:buFont typeface="Arial" panose="020B0604020202020204" pitchFamily="34" charset="0"/>
+              <a:buChar char="•"/>
+            </a:pPr>
+            <a:endParaRPr lang="en-CA" dirty="0"/>
+          </a:p>
+          <a:p>
+            <a:endParaRPr lang="en-CA" dirty="0"/>
+          </a:p>
+          <a:p>
+            <a:pPr marL="285750" indent="-285750">
+              <a:buFont typeface="Arial" panose="020B0604020202020204" pitchFamily="34" charset="0"/>
+              <a:buChar char="•"/>
+            </a:pPr>
+            <a:r>
+              <a:rPr lang="en-CA" dirty="0"/>
+              <a:t>They tend to be made out of silicon</a:t>
+            </a:r>
+          </a:p>
+          <a:p>
+            <a:pPr marL="285750" indent="-285750">
+              <a:buFont typeface="Arial" panose="020B0604020202020204" pitchFamily="34" charset="0"/>
+              <a:buChar char="•"/>
+            </a:pPr>
+            <a:endParaRPr lang="en-CA" dirty="0"/>
+          </a:p>
+          <a:p>
+            <a:pPr marL="285750" indent="-285750">
+              <a:buFont typeface="Arial" panose="020B0604020202020204" pitchFamily="34" charset="0"/>
+              <a:buChar char="•"/>
+            </a:pPr>
+            <a:endParaRPr lang="en-CA" dirty="0"/>
+          </a:p>
+          <a:p>
+            <a:pPr marL="285750" indent="-285750">
+              <a:buFont typeface="Arial" panose="020B0604020202020204" pitchFamily="34" charset="0"/>
+              <a:buChar char="•"/>
+            </a:pPr>
+            <a:endParaRPr lang="en-CA" dirty="0"/>
+          </a:p>
+          <a:p>
+            <a:pPr marL="285750" indent="-285750">
+              <a:buFont typeface="Arial" panose="020B0604020202020204" pitchFamily="34" charset="0"/>
+              <a:buChar char="•"/>
+            </a:pPr>
+            <a:endParaRPr lang="en-CA" dirty="0"/>
+          </a:p>
+          <a:p>
+            <a:pPr marL="285750" indent="-285750">
+              <a:buFont typeface="Arial" panose="020B0604020202020204" pitchFamily="34" charset="0"/>
+              <a:buChar char="•"/>
+            </a:pPr>
+            <a:endParaRPr lang="en-CA" dirty="0"/>
+          </a:p>
+          <a:p>
+            <a:pPr marL="285750" indent="-285750">
+              <a:buFont typeface="Arial" panose="020B0604020202020204" pitchFamily="34" charset="0"/>
+              <a:buChar char="•"/>
+            </a:pPr>
+            <a:endParaRPr lang="en-CA" dirty="0"/>
+          </a:p>
+          <a:p>
+            <a:pPr marL="285750" indent="-285750">
+              <a:buFont typeface="Arial" panose="020B0604020202020204" pitchFamily="34" charset="0"/>
+              <a:buChar char="•"/>
+            </a:pPr>
+            <a:endParaRPr lang="en-CA" dirty="0"/>
+          </a:p>
+          <a:p>
+            <a:endParaRPr lang="en-CA" dirty="0"/>
           </a:p>
           <a:p>
             <a:pPr marL="285750" indent="-285750">
@@ -4524,7 +4790,7 @@
             </a:pPr>
             <a:r>
               <a:rPr lang="en-CA" dirty="0"/>
-              <a:t>Transistors</a:t>
+              <a:t>Transistors – used for “amplifying” ,“controlling”, and generating electric signals</a:t>
             </a:r>
             <a:br>
               <a:rPr lang="en-CA" dirty="0"/>
@@ -4553,7 +4819,7 @@
             </a:pPr>
             <a:r>
               <a:rPr lang="en-CA" dirty="0"/>
-              <a:t>Diodes</a:t>
+              <a:t>Diodes – Limits the flow of current to certain directions</a:t>
             </a:r>
             <a:br>
               <a:rPr lang="en-CA" dirty="0"/>
@@ -4579,7 +4845,7 @@
             </a:pPr>
             <a:r>
               <a:rPr lang="en-CA" dirty="0"/>
-              <a:t>Integrated circuits (small circuits)</a:t>
+              <a:t>A combination of those get made into chips</a:t>
             </a:r>
             <a:br>
               <a:rPr lang="en-CA" dirty="0"/>
@@ -5209,7 +5475,7 @@
         <p:spPr>
           <a:xfrm>
             <a:off x="545592" y="1393073"/>
-            <a:ext cx="9906000" cy="1468999"/>
+            <a:ext cx="9906000" cy="4802454"/>
           </a:xfrm>
           <a:prstGeom prst="rect">
             <a:avLst/>
@@ -5217,7 +5483,7 @@
         </p:spPr>
         <p:txBody>
           <a:bodyPr vert="horz" lIns="91440" tIns="45720" rIns="91440" bIns="45720" rtlCol="0" anchor="ctr">
-            <a:normAutofit fontScale="62500" lnSpcReduction="20000"/>
+            <a:normAutofit fontScale="32500" lnSpcReduction="20000"/>
           </a:bodyPr>
           <a:lstStyle>
             <a:lvl1pPr algn="l" defTabSz="914400" rtl="0" eaLnBrk="1" latinLnBrk="0" hangingPunct="1">
@@ -5244,22 +5510,86 @@
               <a:buChar char="•"/>
             </a:pPr>
             <a:r>
-              <a:rPr lang="en-CA" sz="3200" dirty="0"/>
+              <a:rPr lang="en-CA" sz="7200" dirty="0"/>
               <a:t>TSMC (Largest semiconductor Manufacturer)</a:t>
             </a:r>
           </a:p>
           <a:p>
+            <a:endParaRPr lang="en-CA" sz="7200" dirty="0"/>
+          </a:p>
+          <a:p>
+            <a:pPr marL="457200" indent="-457200">
+              <a:buFont typeface="Arial" panose="020B0604020202020204" pitchFamily="34" charset="0"/>
+              <a:buChar char="•"/>
+            </a:pPr>
+            <a:endParaRPr lang="en-CA" sz="7200" dirty="0"/>
+          </a:p>
+          <a:p>
+            <a:pPr marL="457200" indent="-457200">
+              <a:buFont typeface="Arial" panose="020B0604020202020204" pitchFamily="34" charset="0"/>
+              <a:buChar char="•"/>
+            </a:pPr>
+            <a:r>
+              <a:rPr lang="en-CA" sz="7200" dirty="0"/>
+              <a:t>There is a presence of semiconductor chips in practically any electronic device</a:t>
+            </a:r>
+          </a:p>
+          <a:p>
+            <a:endParaRPr lang="en-CA" sz="7200" dirty="0"/>
+          </a:p>
+          <a:p>
+            <a:pPr marL="457200" indent="-457200">
+              <a:buFont typeface="Arial" panose="020B0604020202020204" pitchFamily="34" charset="0"/>
+              <a:buChar char="•"/>
+            </a:pPr>
+            <a:endParaRPr lang="en-CA" sz="7200" dirty="0"/>
+          </a:p>
+          <a:p>
+            <a:pPr marL="457200" indent="-457200">
+              <a:buFont typeface="Arial" panose="020B0604020202020204" pitchFamily="34" charset="0"/>
+              <a:buChar char="•"/>
+            </a:pPr>
+            <a:r>
+              <a:rPr lang="en-CA" sz="7200" dirty="0"/>
+              <a:t>A recession in semiconductor production can greatly affect any industry that uses semiconductors</a:t>
+            </a:r>
+          </a:p>
+          <a:p>
+            <a:pPr marL="457200" indent="-457200">
+              <a:buFont typeface="Arial" panose="020B0604020202020204" pitchFamily="34" charset="0"/>
+              <a:buChar char="•"/>
+            </a:pPr>
+            <a:endParaRPr lang="en-CA" sz="7200" dirty="0"/>
+          </a:p>
+          <a:p>
+            <a:pPr marL="457200" indent="-457200">
+              <a:buFont typeface="Arial" panose="020B0604020202020204" pitchFamily="34" charset="0"/>
+              <a:buChar char="•"/>
+            </a:pPr>
+            <a:endParaRPr lang="en-CA" sz="7200" dirty="0"/>
+          </a:p>
+          <a:p>
+            <a:endParaRPr lang="en-CA" sz="7200" dirty="0"/>
+          </a:p>
+          <a:p>
+            <a:pPr marL="457200" indent="-457200">
+              <a:buFont typeface="Arial" panose="020B0604020202020204" pitchFamily="34" charset="0"/>
+              <a:buChar char="•"/>
+            </a:pPr>
+            <a:endParaRPr lang="en-CA" sz="7200" dirty="0"/>
+          </a:p>
+          <a:p>
+            <a:pPr marL="457200" indent="-457200">
+              <a:buFont typeface="Arial" panose="020B0604020202020204" pitchFamily="34" charset="0"/>
+              <a:buChar char="•"/>
+            </a:pPr>
+            <a:r>
+              <a:rPr lang="en-CA" sz="7200" dirty="0"/>
+              <a:t>Semiconductors can have a large impact on international relations</a:t>
+            </a:r>
+          </a:p>
+          <a:p>
             <a:endParaRPr lang="en-CA" sz="3200" dirty="0"/>
-          </a:p>
-          <a:p>
-            <a:pPr marL="457200" indent="-457200">
-              <a:buFont typeface="Arial" panose="020B0604020202020204" pitchFamily="34" charset="0"/>
-              <a:buChar char="•"/>
-            </a:pPr>
-            <a:r>
-              <a:rPr lang="en-CA" sz="3200" dirty="0"/>
-              <a:t>CPU and GPU companies such as intel and Nivida</a:t>
-            </a:r>
           </a:p>
           <a:p>
             <a:endParaRPr lang="en-CA" sz="3200" dirty="0"/>
@@ -5269,6 +5599,93 @@
               <a:rPr lang="en-CA" sz="3200" dirty="0"/>
             </a:br>
             <a:endParaRPr lang="en-CA" sz="3200" dirty="0"/>
+          </a:p>
+        </p:txBody>
+      </p:sp>
+      <p:pic>
+        <p:nvPicPr>
+          <p:cNvPr id="1026" name="Picture 2" descr="Home">
+            <a:extLst>
+              <a:ext uri="{FF2B5EF4-FFF2-40B4-BE49-F238E27FC236}">
+                <a16:creationId xmlns:a16="http://schemas.microsoft.com/office/drawing/2014/main" id="{2C5F142F-609F-4C4D-2171-D49B7E6C4C8B}"/>
+              </a:ext>
+            </a:extLst>
+          </p:cNvPr>
+          <p:cNvPicPr>
+            <a:picLocks noChangeAspect="1" noChangeArrowheads="1"/>
+          </p:cNvPicPr>
+          <p:nvPr/>
+        </p:nvPicPr>
+        <p:blipFill>
+          <a:blip r:embed="rId4">
+            <a:extLst>
+              <a:ext uri="{28A0092B-C50C-407E-A947-70E740481C1C}">
+                <a14:useLocalDpi xmlns:a14="http://schemas.microsoft.com/office/drawing/2010/main" val="0"/>
+              </a:ext>
+            </a:extLst>
+          </a:blip>
+          <a:srcRect/>
+          <a:stretch>
+            <a:fillRect/>
+          </a:stretch>
+        </p:blipFill>
+        <p:spPr bwMode="auto">
+          <a:xfrm>
+            <a:off x="9997502" y="201467"/>
+            <a:ext cx="2194498" cy="1662498"/>
+          </a:xfrm>
+          <a:prstGeom prst="rect">
+            <a:avLst/>
+          </a:prstGeom>
+          <a:noFill/>
+          <a:extLst>
+            <a:ext uri="{909E8E84-426E-40DD-AFC4-6F175D3DCCD1}">
+              <a14:hiddenFill xmlns:a14="http://schemas.microsoft.com/office/drawing/2010/main">
+                <a:solidFill>
+                  <a:srgbClr val="FFFFFF"/>
+                </a:solidFill>
+              </a14:hiddenFill>
+            </a:ext>
+          </a:extLst>
+        </p:spPr>
+      </p:pic>
+      <p:sp>
+        <p:nvSpPr>
+          <p:cNvPr id="3" name="TextBox 2">
+            <a:extLst>
+              <a:ext uri="{FF2B5EF4-FFF2-40B4-BE49-F238E27FC236}">
+                <a16:creationId xmlns:a16="http://schemas.microsoft.com/office/drawing/2014/main" id="{19A1CD23-2EBB-ED20-94C5-9EECE28BBAFB}"/>
+              </a:ext>
+            </a:extLst>
+          </p:cNvPr>
+          <p:cNvSpPr txBox="1"/>
+          <p:nvPr/>
+        </p:nvSpPr>
+        <p:spPr>
+          <a:xfrm>
+            <a:off x="9873996" y="1777017"/>
+            <a:ext cx="2441510" cy="646331"/>
+          </a:xfrm>
+          <a:prstGeom prst="rect">
+            <a:avLst/>
+          </a:prstGeom>
+          <a:noFill/>
+        </p:spPr>
+        <p:txBody>
+          <a:bodyPr wrap="square" rtlCol="0">
+            <a:spAutoFit/>
+          </a:bodyPr>
+          <a:lstStyle/>
+          <a:p>
+            <a:r>
+              <a:rPr lang="en-US" i="1" dirty="0"/>
+              <a:t>Note. </a:t>
+            </a:r>
+            <a:r>
+              <a:rPr lang="en-US" dirty="0"/>
+              <a:t>TSMC logo. Sourced from TSMC</a:t>
+            </a:r>
+            <a:endParaRPr lang="en-CA" i="1" dirty="0"/>
           </a:p>
         </p:txBody>
       </p:sp>
@@ -5650,8 +6067,8 @@
           </a:p>
         </p:txBody>
       </p:sp>
-      <mc:AlternateContent xmlns:mc="http://schemas.openxmlformats.org/markup-compatibility/2006">
-        <mc:Choice xmlns:p14="http://schemas.microsoft.com/office/powerpoint/2010/main" Requires="p14">
+      <mc:AlternateContent xmlns:mc="http://schemas.openxmlformats.org/markup-compatibility/2006" xmlns:p14="http://schemas.microsoft.com/office/powerpoint/2010/main">
+        <mc:Choice Requires="p14">
           <p:contentPart p14:bwMode="auto" r:id="rId2">
             <p14:nvContentPartPr>
               <p14:cNvPr id="11" name="Ink 10">
@@ -5670,7 +6087,7 @@
             </p14:xfrm>
           </p:contentPart>
         </mc:Choice>
-        <mc:Fallback>
+        <mc:Fallback xmlns="">
           <p:pic>
             <p:nvPicPr>
               <p:cNvPr id="11" name="Ink 10">
@@ -6094,21 +6511,6 @@
 </file>
 
 <file path=customXml/item1.xml><?xml version="1.0" encoding="utf-8"?>
-<?mso-contentType ?>
-<FormTemplates xmlns="http://schemas.microsoft.com/sharepoint/v3/contenttype/forms">
-  <Display>DocumentLibraryForm</Display>
-  <Edit>DocumentLibraryForm</Edit>
-  <New>DocumentLibraryForm</New>
-</FormTemplates>
-</file>
-
-<file path=customXml/item2.xml><?xml version="1.0" encoding="utf-8"?>
-<p:properties xmlns:p="http://schemas.microsoft.com/office/2006/metadata/properties" xmlns:xsi="http://www.w3.org/2001/XMLSchema-instance" xmlns:pc="http://schemas.microsoft.com/office/infopath/2007/PartnerControls">
-  <documentManagement/>
-</p:properties>
-</file>
-
-<file path=customXml/item3.xml><?xml version="1.0" encoding="utf-8"?>
 <ct:contentTypeSchema xmlns:ct="http://schemas.microsoft.com/office/2006/metadata/contentType" xmlns:ma="http://schemas.microsoft.com/office/2006/metadata/properties/metaAttributes" ct:_="" ma:_="" ma:contentTypeName="Document" ma:contentTypeID="0x01010085F8BE6E4EBA5B4AAB314C5730086A47" ma:contentTypeVersion="5" ma:contentTypeDescription="Create a new document." ma:contentTypeScope="" ma:versionID="d1482ff10594b38e2f6bdc6a94beab22">
   <xsd:schema xmlns:xsd="http://www.w3.org/2001/XMLSchema" xmlns:xs="http://www.w3.org/2001/XMLSchema" xmlns:p="http://schemas.microsoft.com/office/2006/metadata/properties" xmlns:ns3="d51bc98a-0597-46c0-b004-0f1ba9c4912e" targetNamespace="http://schemas.microsoft.com/office/2006/metadata/properties" ma:root="true" ma:fieldsID="e94c667bce10f924c53e10bdd826bf30" ns3:_="">
     <xsd:import namespace="d51bc98a-0597-46c0-b004-0f1ba9c4912e"/>
@@ -6258,10 +6660,35 @@
 </ct:contentTypeSchema>
 </file>
 
+<file path=customXml/item2.xml><?xml version="1.0" encoding="utf-8"?>
+<p:properties xmlns:p="http://schemas.microsoft.com/office/2006/metadata/properties" xmlns:xsi="http://www.w3.org/2001/XMLSchema-instance" xmlns:pc="http://schemas.microsoft.com/office/infopath/2007/PartnerControls">
+  <documentManagement/>
+</p:properties>
+</file>
+
+<file path=customXml/item3.xml><?xml version="1.0" encoding="utf-8"?>
+<?mso-contentType ?>
+<FormTemplates xmlns="http://schemas.microsoft.com/sharepoint/v3/contenttype/forms">
+  <Display>DocumentLibraryForm</Display>
+  <Edit>DocumentLibraryForm</Edit>
+  <New>DocumentLibraryForm</New>
+</FormTemplates>
+</file>
+
 <file path=customXml/itemProps1.xml><?xml version="1.0" encoding="utf-8"?>
-<ds:datastoreItem xmlns:ds="http://schemas.openxmlformats.org/officeDocument/2006/customXml" ds:itemID="{95A108BE-69D7-4120-B6D2-AA507BA05252}">
+<ds:datastoreItem xmlns:ds="http://schemas.openxmlformats.org/officeDocument/2006/customXml" ds:itemID="{5BEBA117-2EA1-46DE-8DB2-044371DB9ECB}">
   <ds:schemaRefs>
-    <ds:schemaRef ds:uri="http://schemas.microsoft.com/sharepoint/v3/contenttype/forms"/>
+    <ds:schemaRef ds:uri="http://schemas.microsoft.com/office/2006/metadata/contentType"/>
+    <ds:schemaRef ds:uri="http://schemas.microsoft.com/office/2006/metadata/properties/metaAttributes"/>
+    <ds:schemaRef ds:uri="http://www.w3.org/2001/XMLSchema"/>
+    <ds:schemaRef ds:uri="http://schemas.microsoft.com/office/2006/metadata/properties"/>
+    <ds:schemaRef ds:uri="d51bc98a-0597-46c0-b004-0f1ba9c4912e"/>
+    <ds:schemaRef ds:uri="http://schemas.microsoft.com/office/2006/documentManagement/types"/>
+    <ds:schemaRef ds:uri="http://schemas.microsoft.com/office/infopath/2007/PartnerControls"/>
+    <ds:schemaRef ds:uri="http://schemas.openxmlformats.org/package/2006/metadata/core-properties"/>
+    <ds:schemaRef ds:uri="http://purl.org/dc/elements/1.1/"/>
+    <ds:schemaRef ds:uri="http://purl.org/dc/terms/"/>
+    <ds:schemaRef ds:uri="http://schemas.microsoft.com/internal/obd"/>
   </ds:schemaRefs>
 </ds:datastoreItem>
 </file>
@@ -6283,19 +6710,9 @@
 </file>
 
 <file path=customXml/itemProps3.xml><?xml version="1.0" encoding="utf-8"?>
-<ds:datastoreItem xmlns:ds="http://schemas.openxmlformats.org/officeDocument/2006/customXml" ds:itemID="{5BEBA117-2EA1-46DE-8DB2-044371DB9ECB}">
+<ds:datastoreItem xmlns:ds="http://schemas.openxmlformats.org/officeDocument/2006/customXml" ds:itemID="{95A108BE-69D7-4120-B6D2-AA507BA05252}">
   <ds:schemaRefs>
-    <ds:schemaRef ds:uri="http://schemas.microsoft.com/office/2006/metadata/contentType"/>
-    <ds:schemaRef ds:uri="http://schemas.microsoft.com/office/2006/metadata/properties/metaAttributes"/>
-    <ds:schemaRef ds:uri="http://www.w3.org/2001/XMLSchema"/>
-    <ds:schemaRef ds:uri="http://schemas.microsoft.com/office/2006/metadata/properties"/>
-    <ds:schemaRef ds:uri="d51bc98a-0597-46c0-b004-0f1ba9c4912e"/>
-    <ds:schemaRef ds:uri="http://schemas.microsoft.com/office/2006/documentManagement/types"/>
-    <ds:schemaRef ds:uri="http://schemas.microsoft.com/office/infopath/2007/PartnerControls"/>
-    <ds:schemaRef ds:uri="http://schemas.openxmlformats.org/package/2006/metadata/core-properties"/>
-    <ds:schemaRef ds:uri="http://purl.org/dc/elements/1.1/"/>
-    <ds:schemaRef ds:uri="http://purl.org/dc/terms/"/>
-    <ds:schemaRef ds:uri="http://schemas.microsoft.com/internal/obd"/>
+    <ds:schemaRef ds:uri="http://schemas.microsoft.com/sharepoint/v3/contenttype/forms"/>
   </ds:schemaRefs>
 </ds:datastoreItem>
 </file>
--- a/Semiconductors.pptx
+++ b/Semiconductors.pptx
@@ -3592,7 +3592,7 @@
         <p:spPr>
           <a:xfrm>
             <a:off x="1033272" y="1243584"/>
-            <a:ext cx="10744200" cy="5355312"/>
+            <a:ext cx="10744200" cy="5909310"/>
           </a:xfrm>
           <a:prstGeom prst="rect">
             <a:avLst/>
@@ -3792,8 +3792,19 @@
             </a:pPr>
             <a:r>
               <a:rPr lang="en-CA" dirty="0"/>
-              <a:t>Deloitte. (2019, April. Semiconductors – the Next Wave</a:t>
-            </a:r>
+              <a:t>Deloitte. (2019, April. Semiconductors – the Next Wave. </a:t>
+            </a:r>
+            <a:r>
+              <a:rPr lang="en-CA">
+                <a:hlinkClick r:id="rId12"/>
+              </a:rPr>
+              <a:t>https://www2.deloitte.com/tw/en/pages/technology-media-and-telecommunications/articles/semiconductor-next-wave.html</a:t>
+            </a:r>
+            <a:r>
+              <a:rPr lang="en-CA"/>
+              <a:t> </a:t>
+            </a:r>
+            <a:endParaRPr lang="en-CA" dirty="0"/>
           </a:p>
           <a:p>
             <a:pPr marL="285750" indent="-285750">
@@ -6511,6 +6522,12 @@
 </file>
 
 <file path=customXml/item1.xml><?xml version="1.0" encoding="utf-8"?>
+<p:properties xmlns:p="http://schemas.microsoft.com/office/2006/metadata/properties" xmlns:xsi="http://www.w3.org/2001/XMLSchema-instance" xmlns:pc="http://schemas.microsoft.com/office/infopath/2007/PartnerControls">
+  <documentManagement/>
+</p:properties>
+</file>
+
+<file path=customXml/item2.xml><?xml version="1.0" encoding="utf-8"?>
 <ct:contentTypeSchema xmlns:ct="http://schemas.microsoft.com/office/2006/metadata/contentType" xmlns:ma="http://schemas.microsoft.com/office/2006/metadata/properties/metaAttributes" ct:_="" ma:_="" ma:contentTypeName="Document" ma:contentTypeID="0x01010085F8BE6E4EBA5B4AAB314C5730086A47" ma:contentTypeVersion="5" ma:contentTypeDescription="Create a new document." ma:contentTypeScope="" ma:versionID="d1482ff10594b38e2f6bdc6a94beab22">
   <xsd:schema xmlns:xsd="http://www.w3.org/2001/XMLSchema" xmlns:xs="http://www.w3.org/2001/XMLSchema" xmlns:p="http://schemas.microsoft.com/office/2006/metadata/properties" xmlns:ns3="d51bc98a-0597-46c0-b004-0f1ba9c4912e" targetNamespace="http://schemas.microsoft.com/office/2006/metadata/properties" ma:root="true" ma:fieldsID="e94c667bce10f924c53e10bdd826bf30" ns3:_="">
     <xsd:import namespace="d51bc98a-0597-46c0-b004-0f1ba9c4912e"/>
@@ -6660,12 +6677,6 @@
 </ct:contentTypeSchema>
 </file>
 
-<file path=customXml/item2.xml><?xml version="1.0" encoding="utf-8"?>
-<p:properties xmlns:p="http://schemas.microsoft.com/office/2006/metadata/properties" xmlns:xsi="http://www.w3.org/2001/XMLSchema-instance" xmlns:pc="http://schemas.microsoft.com/office/infopath/2007/PartnerControls">
-  <documentManagement/>
-</p:properties>
-</file>
-
 <file path=customXml/item3.xml><?xml version="1.0" encoding="utf-8"?>
 <?mso-contentType ?>
 <FormTemplates xmlns="http://schemas.microsoft.com/sharepoint/v3/contenttype/forms">
@@ -6676,6 +6687,22 @@
 </file>
 
 <file path=customXml/itemProps1.xml><?xml version="1.0" encoding="utf-8"?>
+<ds:datastoreItem xmlns:ds="http://schemas.openxmlformats.org/officeDocument/2006/customXml" ds:itemID="{AFF75CED-C298-41C0-8317-0691C9D8DED9}">
+  <ds:schemaRefs>
+    <ds:schemaRef ds:uri="http://schemas.microsoft.com/office/2006/metadata/properties"/>
+    <ds:schemaRef ds:uri="http://schemas.microsoft.com/office/infopath/2007/PartnerControls"/>
+    <ds:schemaRef ds:uri="d51bc98a-0597-46c0-b004-0f1ba9c4912e"/>
+    <ds:schemaRef ds:uri="http://purl.org/dc/elements/1.1/"/>
+    <ds:schemaRef ds:uri="http://purl.org/dc/dcmitype/"/>
+    <ds:schemaRef ds:uri="http://schemas.microsoft.com/office/2006/documentManagement/types"/>
+    <ds:schemaRef ds:uri="http://schemas.openxmlformats.org/package/2006/metadata/core-properties"/>
+    <ds:schemaRef ds:uri="http://www.w3.org/XML/1998/namespace"/>
+    <ds:schemaRef ds:uri="http://purl.org/dc/terms/"/>
+  </ds:schemaRefs>
+</ds:datastoreItem>
+</file>
+
+<file path=customXml/itemProps2.xml><?xml version="1.0" encoding="utf-8"?>
 <ds:datastoreItem xmlns:ds="http://schemas.openxmlformats.org/officeDocument/2006/customXml" ds:itemID="{5BEBA117-2EA1-46DE-8DB2-044371DB9ECB}">
   <ds:schemaRefs>
     <ds:schemaRef ds:uri="http://schemas.microsoft.com/office/2006/metadata/contentType"/>
@@ -6693,22 +6720,6 @@
 </ds:datastoreItem>
 </file>
 
-<file path=customXml/itemProps2.xml><?xml version="1.0" encoding="utf-8"?>
-<ds:datastoreItem xmlns:ds="http://schemas.openxmlformats.org/officeDocument/2006/customXml" ds:itemID="{AFF75CED-C298-41C0-8317-0691C9D8DED9}">
-  <ds:schemaRefs>
-    <ds:schemaRef ds:uri="http://schemas.microsoft.com/office/2006/metadata/properties"/>
-    <ds:schemaRef ds:uri="http://schemas.microsoft.com/office/infopath/2007/PartnerControls"/>
-    <ds:schemaRef ds:uri="d51bc98a-0597-46c0-b004-0f1ba9c4912e"/>
-    <ds:schemaRef ds:uri="http://purl.org/dc/elements/1.1/"/>
-    <ds:schemaRef ds:uri="http://purl.org/dc/dcmitype/"/>
-    <ds:schemaRef ds:uri="http://schemas.microsoft.com/office/2006/documentManagement/types"/>
-    <ds:schemaRef ds:uri="http://schemas.openxmlformats.org/package/2006/metadata/core-properties"/>
-    <ds:schemaRef ds:uri="http://www.w3.org/XML/1998/namespace"/>
-    <ds:schemaRef ds:uri="http://purl.org/dc/terms/"/>
-  </ds:schemaRefs>
-</ds:datastoreItem>
-</file>
-
 <file path=customXml/itemProps3.xml><?xml version="1.0" encoding="utf-8"?>
 <ds:datastoreItem xmlns:ds="http://schemas.openxmlformats.org/officeDocument/2006/customXml" ds:itemID="{95A108BE-69D7-4120-B6D2-AA507BA05252}">
   <ds:schemaRefs>
